--- a/Partie personnelle Lucas MINAUD/revue/revue 3.pptx
+++ b/Partie personnelle Lucas MINAUD/revue/revue 3.pptx
@@ -7,6 +7,9 @@
   <p:sldIdLst>
     <p:sldId id="256" r:id="rId2"/>
     <p:sldId id="258" r:id="rId3"/>
+    <p:sldId id="259" r:id="rId4"/>
+    <p:sldId id="261" r:id="rId5"/>
+    <p:sldId id="260" r:id="rId6"/>
   </p:sldIdLst>
   <p:sldSz cx="12192000" cy="6858000"/>
   <p:notesSz cx="6858000" cy="9144000"/>
@@ -105,6 +108,11 @@
       </a:defRPr>
     </a:lvl9pPr>
   </p:defaultTextStyle>
+  <p:extLst>
+    <p:ext uri="{EFAFB233-063F-42B5-8137-9DF3F51BA10A}">
+      <p15:sldGuideLst xmlns:p15="http://schemas.microsoft.com/office/powerpoint/2012/main"/>
+    </p:ext>
+  </p:extLst>
 </p:presentation>
 </file>
 
@@ -255,7 +263,7 @@
           <a:p>
             <a:fld id="{EC1A3D05-34DE-4B44-9CF2-C7DAEAC85724}" type="datetimeFigureOut">
               <a:rPr lang="fr-FR" smtClean="0"/>
-              <a:t>24/04/2019</a:t>
+              <a:t>26/04/2019</a:t>
             </a:fld>
             <a:endParaRPr lang="fr-FR"/>
           </a:p>
@@ -453,7 +461,7 @@
           <a:p>
             <a:fld id="{EC1A3D05-34DE-4B44-9CF2-C7DAEAC85724}" type="datetimeFigureOut">
               <a:rPr lang="fr-FR" smtClean="0"/>
-              <a:t>24/04/2019</a:t>
+              <a:t>26/04/2019</a:t>
             </a:fld>
             <a:endParaRPr lang="fr-FR"/>
           </a:p>
@@ -661,7 +669,7 @@
           <a:p>
             <a:fld id="{EC1A3D05-34DE-4B44-9CF2-C7DAEAC85724}" type="datetimeFigureOut">
               <a:rPr lang="fr-FR" smtClean="0"/>
-              <a:t>24/04/2019</a:t>
+              <a:t>26/04/2019</a:t>
             </a:fld>
             <a:endParaRPr lang="fr-FR"/>
           </a:p>
@@ -859,7 +867,7 @@
           <a:p>
             <a:fld id="{EC1A3D05-34DE-4B44-9CF2-C7DAEAC85724}" type="datetimeFigureOut">
               <a:rPr lang="fr-FR" smtClean="0"/>
-              <a:t>24/04/2019</a:t>
+              <a:t>26/04/2019</a:t>
             </a:fld>
             <a:endParaRPr lang="fr-FR"/>
           </a:p>
@@ -1134,7 +1142,7 @@
           <a:p>
             <a:fld id="{EC1A3D05-34DE-4B44-9CF2-C7DAEAC85724}" type="datetimeFigureOut">
               <a:rPr lang="fr-FR" smtClean="0"/>
-              <a:t>24/04/2019</a:t>
+              <a:t>26/04/2019</a:t>
             </a:fld>
             <a:endParaRPr lang="fr-FR"/>
           </a:p>
@@ -1399,7 +1407,7 @@
           <a:p>
             <a:fld id="{EC1A3D05-34DE-4B44-9CF2-C7DAEAC85724}" type="datetimeFigureOut">
               <a:rPr lang="fr-FR" smtClean="0"/>
-              <a:t>24/04/2019</a:t>
+              <a:t>26/04/2019</a:t>
             </a:fld>
             <a:endParaRPr lang="fr-FR"/>
           </a:p>
@@ -1811,7 +1819,7 @@
           <a:p>
             <a:fld id="{EC1A3D05-34DE-4B44-9CF2-C7DAEAC85724}" type="datetimeFigureOut">
               <a:rPr lang="fr-FR" smtClean="0"/>
-              <a:t>24/04/2019</a:t>
+              <a:t>26/04/2019</a:t>
             </a:fld>
             <a:endParaRPr lang="fr-FR"/>
           </a:p>
@@ -1952,7 +1960,7 @@
           <a:p>
             <a:fld id="{EC1A3D05-34DE-4B44-9CF2-C7DAEAC85724}" type="datetimeFigureOut">
               <a:rPr lang="fr-FR" smtClean="0"/>
-              <a:t>24/04/2019</a:t>
+              <a:t>26/04/2019</a:t>
             </a:fld>
             <a:endParaRPr lang="fr-FR"/>
           </a:p>
@@ -2065,7 +2073,7 @@
           <a:p>
             <a:fld id="{EC1A3D05-34DE-4B44-9CF2-C7DAEAC85724}" type="datetimeFigureOut">
               <a:rPr lang="fr-FR" smtClean="0"/>
-              <a:t>24/04/2019</a:t>
+              <a:t>26/04/2019</a:t>
             </a:fld>
             <a:endParaRPr lang="fr-FR"/>
           </a:p>
@@ -2376,7 +2384,7 @@
           <a:p>
             <a:fld id="{EC1A3D05-34DE-4B44-9CF2-C7DAEAC85724}" type="datetimeFigureOut">
               <a:rPr lang="fr-FR" smtClean="0"/>
-              <a:t>24/04/2019</a:t>
+              <a:t>26/04/2019</a:t>
             </a:fld>
             <a:endParaRPr lang="fr-FR"/>
           </a:p>
@@ -2664,7 +2672,7 @@
           <a:p>
             <a:fld id="{EC1A3D05-34DE-4B44-9CF2-C7DAEAC85724}" type="datetimeFigureOut">
               <a:rPr lang="fr-FR" smtClean="0"/>
-              <a:t>24/04/2019</a:t>
+              <a:t>26/04/2019</a:t>
             </a:fld>
             <a:endParaRPr lang="fr-FR"/>
           </a:p>
@@ -2905,7 +2913,7 @@
           <a:p>
             <a:fld id="{EC1A3D05-34DE-4B44-9CF2-C7DAEAC85724}" type="datetimeFigureOut">
               <a:rPr lang="fr-FR" smtClean="0"/>
-              <a:t>24/04/2019</a:t>
+              <a:t>26/04/2019</a:t>
             </a:fld>
             <a:endParaRPr lang="fr-FR"/>
           </a:p>
@@ -3897,10 +3905,10 @@
       </p:sp>
       <p:pic>
         <p:nvPicPr>
-          <p:cNvPr id="7" name="Graphic 6">
-            <a:extLst>
-              <a:ext uri="{FF2B5EF4-FFF2-40B4-BE49-F238E27FC236}">
-                <a16:creationId xmlns:a16="http://schemas.microsoft.com/office/drawing/2014/main" id="{3494B20F-FF32-426C-9E4C-11D9E75DACD0}"/>
+          <p:cNvPr id="8" name="Image 7">
+            <a:extLst>
+              <a:ext uri="{FF2B5EF4-FFF2-40B4-BE49-F238E27FC236}">
+                <a16:creationId xmlns:a16="http://schemas.microsoft.com/office/drawing/2014/main" id="{B486218C-EBC3-4997-A6BB-48FDF79033CF}"/>
               </a:ext>
             </a:extLst>
           </p:cNvPr>
@@ -3910,13 +3918,40 @@
           <p:nvPr/>
         </p:nvPicPr>
         <p:blipFill>
-          <a:blip r:embed="rId2">
+          <a:blip r:embed="rId2"/>
+          <a:stretch>
+            <a:fillRect/>
+          </a:stretch>
+        </p:blipFill>
+        <p:spPr>
+          <a:xfrm>
+            <a:off x="45916" y="1412668"/>
+            <a:ext cx="4981846" cy="3549197"/>
+          </a:xfrm>
+          <a:prstGeom prst="rect">
+            <a:avLst/>
+          </a:prstGeom>
+        </p:spPr>
+      </p:pic>
+      <p:pic>
+        <p:nvPicPr>
+          <p:cNvPr id="5" name="Image 4">
+            <a:extLst>
+              <a:ext uri="{FF2B5EF4-FFF2-40B4-BE49-F238E27FC236}">
+                <a16:creationId xmlns:a16="http://schemas.microsoft.com/office/drawing/2014/main" id="{9D3E4209-B1B5-4834-BE8B-12F3DE761E1F}"/>
+              </a:ext>
+            </a:extLst>
+          </p:cNvPr>
+          <p:cNvPicPr>
+            <a:picLocks noChangeAspect="1"/>
+          </p:cNvPicPr>
+          <p:nvPr/>
+        </p:nvPicPr>
+        <p:blipFill>
+          <a:blip r:embed="rId3">
             <a:extLst>
               <a:ext uri="{28A0092B-C50C-407E-A947-70E740481C1C}">
                 <a14:useLocalDpi xmlns:a14="http://schemas.microsoft.com/office/drawing/2010/main" val="0"/>
-              </a:ext>
-              <a:ext uri="{96DAC541-7B7A-43D3-8B79-37D633B846F1}">
-                <asvg:svgBlip xmlns:asvg="http://schemas.microsoft.com/office/drawing/2016/SVG/main" r:embed="rId3"/>
               </a:ext>
             </a:extLst>
           </a:blip>
@@ -3926,8 +3961,8 @@
         </p:blipFill>
         <p:spPr>
           <a:xfrm>
-            <a:off x="480941" y="1301551"/>
-            <a:ext cx="3440610" cy="3440610"/>
+            <a:off x="7748832" y="331517"/>
+            <a:ext cx="3858035" cy="1242287"/>
           </a:xfrm>
           <a:prstGeom prst="rect">
             <a:avLst/>
@@ -4040,31 +4075,42 @@
       </p:sp>
       <p:sp>
         <p:nvSpPr>
-          <p:cNvPr id="2" name="Titre 1">
-            <a:extLst>
-              <a:ext uri="{FF2B5EF4-FFF2-40B4-BE49-F238E27FC236}">
-                <a16:creationId xmlns:a16="http://schemas.microsoft.com/office/drawing/2014/main" id="{99B1F4EA-79E3-4F9A-8E92-06130A186978}"/>
-              </a:ext>
-            </a:extLst>
-          </p:cNvPr>
-          <p:cNvSpPr>
-            <a:spLocks noGrp="1"/>
-          </p:cNvSpPr>
-          <p:nvPr>
-            <p:ph type="ctrTitle"/>
+          <p:cNvPr id="3" name="Sous-titre 2">
+            <a:extLst>
+              <a:ext uri="{FF2B5EF4-FFF2-40B4-BE49-F238E27FC236}">
+                <a16:creationId xmlns:a16="http://schemas.microsoft.com/office/drawing/2014/main" id="{2292125D-D70B-4D6D-9C1C-D4881C4F9066}"/>
+              </a:ext>
+            </a:extLst>
+          </p:cNvPr>
+          <p:cNvSpPr>
+            <a:spLocks noGrp="1"/>
+          </p:cNvSpPr>
+          <p:nvPr>
+            <p:ph type="subTitle" idx="1"/>
           </p:nvPr>
         </p:nvSpPr>
         <p:spPr>
           <a:xfrm>
-            <a:off x="6746628" y="1783959"/>
-            <a:ext cx="4645250" cy="2889114"/>
+            <a:off x="6539236" y="2297708"/>
+            <a:ext cx="5067631" cy="2821047"/>
           </a:xfrm>
         </p:spPr>
         <p:txBody>
-          <a:bodyPr anchor="b">
+          <a:bodyPr anchor="t">
             <a:normAutofit/>
           </a:bodyPr>
           <a:lstStyle/>
+          <a:p>
+            <a:pPr algn="l"/>
+            <a:r>
+              <a:rPr lang="fr-FR" sz="2800" dirty="0">
+                <a:solidFill>
+                  <a:schemeClr val="bg1"/>
+                </a:solidFill>
+              </a:rPr>
+              <a:t>Les différentes parties:</a:t>
+            </a:r>
+          </a:p>
           <a:p>
             <a:pPr algn="l"/>
             <a:r>
@@ -4073,45 +4119,49 @@
                   <a:schemeClr val="bg1"/>
                 </a:solidFill>
               </a:rPr>
-              <a:t>Revue de Projet n°3</a:t>
-            </a:r>
-          </a:p>
-        </p:txBody>
-      </p:sp>
-      <p:sp>
-        <p:nvSpPr>
-          <p:cNvPr id="3" name="Sous-titre 2">
-            <a:extLst>
-              <a:ext uri="{FF2B5EF4-FFF2-40B4-BE49-F238E27FC236}">
-                <a16:creationId xmlns:a16="http://schemas.microsoft.com/office/drawing/2014/main" id="{2292125D-D70B-4D6D-9C1C-D4881C4F9066}"/>
-              </a:ext>
-            </a:extLst>
-          </p:cNvPr>
-          <p:cNvSpPr>
-            <a:spLocks noGrp="1"/>
-          </p:cNvSpPr>
-          <p:nvPr>
-            <p:ph type="subTitle" idx="1"/>
-          </p:nvPr>
-        </p:nvSpPr>
-        <p:spPr>
-          <a:xfrm>
-            <a:off x="6746627" y="4750893"/>
-            <a:ext cx="4645250" cy="1147863"/>
-          </a:xfrm>
-        </p:spPr>
-        <p:txBody>
-          <a:bodyPr anchor="t">
-            <a:normAutofit/>
-          </a:bodyPr>
-          <a:lstStyle/>
+              <a:t>	- partie régulation</a:t>
+            </a:r>
+          </a:p>
           <a:p>
             <a:pPr algn="l"/>
-            <a:endParaRPr lang="fr-FR" sz="2000">
-              <a:solidFill>
-                <a:schemeClr val="bg1"/>
-              </a:solidFill>
-            </a:endParaRPr>
+            <a:r>
+              <a:rPr lang="fr-FR" dirty="0">
+                <a:solidFill>
+                  <a:schemeClr val="bg1"/>
+                </a:solidFill>
+              </a:rPr>
+              <a:t>	- partie acquisition</a:t>
+            </a:r>
+          </a:p>
+          <a:p>
+            <a:pPr algn="l"/>
+            <a:r>
+              <a:rPr lang="fr-FR" dirty="0">
+                <a:solidFill>
+                  <a:schemeClr val="bg1"/>
+                </a:solidFill>
+              </a:rPr>
+              <a:t>		</a:t>
+            </a:r>
+            <a:r>
+              <a:rPr lang="fr-FR" sz="2000" dirty="0">
+                <a:solidFill>
+                  <a:schemeClr val="bg1"/>
+                </a:solidFill>
+              </a:rPr>
+              <a:t>-commun</a:t>
+            </a:r>
+          </a:p>
+          <a:p>
+            <a:pPr algn="l"/>
+            <a:r>
+              <a:rPr lang="fr-FR" sz="2000" dirty="0">
+                <a:solidFill>
+                  <a:schemeClr val="bg1"/>
+                </a:solidFill>
+              </a:rPr>
+              <a:t>		-individuel</a:t>
+            </a:r>
           </a:p>
         </p:txBody>
       </p:sp>
@@ -4449,6 +4499,1134 @@
       </p:sp>
       <p:pic>
         <p:nvPicPr>
+          <p:cNvPr id="8" name="Image 7">
+            <a:extLst>
+              <a:ext uri="{FF2B5EF4-FFF2-40B4-BE49-F238E27FC236}">
+                <a16:creationId xmlns:a16="http://schemas.microsoft.com/office/drawing/2014/main" id="{97E4357E-B140-4011-B79A-E3F79B44877D}"/>
+              </a:ext>
+            </a:extLst>
+          </p:cNvPr>
+          <p:cNvPicPr>
+            <a:picLocks noChangeAspect="1"/>
+          </p:cNvPicPr>
+          <p:nvPr/>
+        </p:nvPicPr>
+        <p:blipFill>
+          <a:blip r:embed="rId2">
+            <a:extLst>
+              <a:ext uri="{28A0092B-C50C-407E-A947-70E740481C1C}">
+                <a14:useLocalDpi xmlns:a14="http://schemas.microsoft.com/office/drawing/2010/main" val="0"/>
+              </a:ext>
+            </a:extLst>
+          </a:blip>
+          <a:stretch>
+            <a:fillRect/>
+          </a:stretch>
+        </p:blipFill>
+        <p:spPr>
+          <a:xfrm>
+            <a:off x="7993930" y="331517"/>
+            <a:ext cx="3612938" cy="1163366"/>
+          </a:xfrm>
+          <a:prstGeom prst="rect">
+            <a:avLst/>
+          </a:prstGeom>
+        </p:spPr>
+      </p:pic>
+      <p:pic>
+        <p:nvPicPr>
+          <p:cNvPr id="11" name="Image 10">
+            <a:extLst>
+              <a:ext uri="{FF2B5EF4-FFF2-40B4-BE49-F238E27FC236}">
+                <a16:creationId xmlns:a16="http://schemas.microsoft.com/office/drawing/2014/main" id="{860C6467-C8D6-4D1B-8350-6779548758FC}"/>
+              </a:ext>
+            </a:extLst>
+          </p:cNvPr>
+          <p:cNvPicPr>
+            <a:picLocks noChangeAspect="1"/>
+          </p:cNvPicPr>
+          <p:nvPr/>
+        </p:nvPicPr>
+        <p:blipFill>
+          <a:blip r:embed="rId3"/>
+          <a:stretch>
+            <a:fillRect/>
+          </a:stretch>
+        </p:blipFill>
+        <p:spPr>
+          <a:xfrm>
+            <a:off x="215597" y="686804"/>
+            <a:ext cx="5281457" cy="3762648"/>
+          </a:xfrm>
+          <a:prstGeom prst="rect">
+            <a:avLst/>
+          </a:prstGeom>
+        </p:spPr>
+      </p:pic>
+    </p:spTree>
+    <p:extLst>
+      <p:ext uri="{BB962C8B-B14F-4D97-AF65-F5344CB8AC3E}">
+        <p14:creationId xmlns:p14="http://schemas.microsoft.com/office/powerpoint/2010/main" val="2259472507"/>
+      </p:ext>
+    </p:extLst>
+  </p:cSld>
+  <p:clrMapOvr>
+    <a:masterClrMapping/>
+  </p:clrMapOvr>
+</p:sld>
+</file>
+
+<file path=ppt/slides/slide3.xml><?xml version="1.0" encoding="utf-8"?>
+<p:sld xmlns:a="http://schemas.openxmlformats.org/drawingml/2006/main" xmlns:r="http://schemas.openxmlformats.org/officeDocument/2006/relationships" xmlns:p="http://schemas.openxmlformats.org/presentationml/2006/main">
+  <p:cSld>
+    <p:bg>
+      <p:bgPr>
+        <a:solidFill>
+          <a:schemeClr val="bg1"/>
+        </a:solidFill>
+        <a:effectLst/>
+      </p:bgPr>
+    </p:bg>
+    <p:spTree>
+      <p:nvGrpSpPr>
+        <p:cNvPr id="1" name=""/>
+        <p:cNvGrpSpPr/>
+        <p:nvPr/>
+      </p:nvGrpSpPr>
+      <p:grpSpPr>
+        <a:xfrm>
+          <a:off x="0" y="0"/>
+          <a:ext cx="0" cy="0"/>
+          <a:chOff x="0" y="0"/>
+          <a:chExt cx="0" cy="0"/>
+        </a:xfrm>
+      </p:grpSpPr>
+      <p:sp>
+        <p:nvSpPr>
+          <p:cNvPr id="28" name="Rectangle 27">
+            <a:extLst>
+              <a:ext uri="{FF2B5EF4-FFF2-40B4-BE49-F238E27FC236}">
+                <a16:creationId xmlns:a16="http://schemas.microsoft.com/office/drawing/2014/main" id="{C0B27210-D0CA-4654-B3E3-9ABB4F178EA1}"/>
+              </a:ext>
+              <a:ext uri="{C183D7F6-B498-43B3-948B-1728B52AA6E4}">
+                <adec:decorative xmlns:adec="http://schemas.microsoft.com/office/drawing/2017/decorative" val="1"/>
+              </a:ext>
+            </a:extLst>
+          </p:cNvPr>
+          <p:cNvSpPr>
+            <a:spLocks noGrp="1" noRot="1" noChangeAspect="1" noMove="1" noResize="1" noEditPoints="1" noAdjustHandles="1" noChangeArrowheads="1" noChangeShapeType="1" noTextEdit="1"/>
+          </p:cNvSpPr>
+          <p:nvPr>
+            <p:extLst>
+              <p:ext uri="{386F3935-93C4-4BCD-93E2-E3B085C9AB24}">
+                <p16:designElem xmlns:p16="http://schemas.microsoft.com/office/powerpoint/2015/main" val="1"/>
+              </p:ext>
+            </p:extLst>
+          </p:nvPr>
+        </p:nvSpPr>
+        <p:spPr>
+          <a:xfrm>
+            <a:off x="0" y="0"/>
+            <a:ext cx="12192000" cy="6858000"/>
+          </a:xfrm>
+          <a:prstGeom prst="rect">
+            <a:avLst/>
+          </a:prstGeom>
+          <a:solidFill>
+            <a:schemeClr val="tx1">
+              <a:lumMod val="75000"/>
+              <a:lumOff val="25000"/>
+            </a:schemeClr>
+          </a:solidFill>
+          <a:ln>
+            <a:noFill/>
+          </a:ln>
+        </p:spPr>
+        <p:style>
+          <a:lnRef idx="2">
+            <a:schemeClr val="accent1">
+              <a:shade val="50000"/>
+            </a:schemeClr>
+          </a:lnRef>
+          <a:fillRef idx="1">
+            <a:schemeClr val="accent1"/>
+          </a:fillRef>
+          <a:effectRef idx="0">
+            <a:schemeClr val="accent1"/>
+          </a:effectRef>
+          <a:fontRef idx="minor">
+            <a:schemeClr val="lt1"/>
+          </a:fontRef>
+        </p:style>
+        <p:txBody>
+          <a:bodyPr rtlCol="0" anchor="ctr"/>
+          <a:lstStyle/>
+          <a:p>
+            <a:pPr algn="ctr"/>
+            <a:endParaRPr lang="en-US"/>
+          </a:p>
+        </p:txBody>
+      </p:sp>
+      <p:sp>
+        <p:nvSpPr>
+          <p:cNvPr id="2" name="Titre 1">
+            <a:extLst>
+              <a:ext uri="{FF2B5EF4-FFF2-40B4-BE49-F238E27FC236}">
+                <a16:creationId xmlns:a16="http://schemas.microsoft.com/office/drawing/2014/main" id="{99B1F4EA-79E3-4F9A-8E92-06130A186978}"/>
+              </a:ext>
+            </a:extLst>
+          </p:cNvPr>
+          <p:cNvSpPr>
+            <a:spLocks noGrp="1"/>
+          </p:cNvSpPr>
+          <p:nvPr>
+            <p:ph type="ctrTitle"/>
+          </p:nvPr>
+        </p:nvSpPr>
+        <p:spPr>
+          <a:xfrm>
+            <a:off x="6746628" y="1783959"/>
+            <a:ext cx="4645250" cy="2889114"/>
+          </a:xfrm>
+        </p:spPr>
+        <p:txBody>
+          <a:bodyPr anchor="b">
+            <a:normAutofit/>
+          </a:bodyPr>
+          <a:lstStyle/>
+          <a:p>
+            <a:pPr algn="l"/>
+            <a:r>
+              <a:rPr lang="fr-FR" dirty="0">
+                <a:solidFill>
+                  <a:schemeClr val="bg1"/>
+                </a:solidFill>
+              </a:rPr>
+              <a:t>Cahier de recette</a:t>
+            </a:r>
+          </a:p>
+        </p:txBody>
+      </p:sp>
+      <p:sp>
+        <p:nvSpPr>
+          <p:cNvPr id="3" name="Sous-titre 2">
+            <a:extLst>
+              <a:ext uri="{FF2B5EF4-FFF2-40B4-BE49-F238E27FC236}">
+                <a16:creationId xmlns:a16="http://schemas.microsoft.com/office/drawing/2014/main" id="{2292125D-D70B-4D6D-9C1C-D4881C4F9066}"/>
+              </a:ext>
+            </a:extLst>
+          </p:cNvPr>
+          <p:cNvSpPr>
+            <a:spLocks noGrp="1"/>
+          </p:cNvSpPr>
+          <p:nvPr>
+            <p:ph type="subTitle" idx="1"/>
+          </p:nvPr>
+        </p:nvSpPr>
+        <p:spPr>
+          <a:xfrm>
+            <a:off x="6746627" y="4750893"/>
+            <a:ext cx="4645250" cy="1147863"/>
+          </a:xfrm>
+        </p:spPr>
+        <p:txBody>
+          <a:bodyPr anchor="t">
+            <a:normAutofit/>
+          </a:bodyPr>
+          <a:lstStyle/>
+          <a:p>
+            <a:pPr algn="l"/>
+            <a:endParaRPr lang="fr-FR" sz="2000">
+              <a:solidFill>
+                <a:schemeClr val="bg1"/>
+              </a:solidFill>
+            </a:endParaRPr>
+          </a:p>
+        </p:txBody>
+      </p:sp>
+      <p:sp>
+        <p:nvSpPr>
+          <p:cNvPr id="30" name="Freeform: Shape 29">
+            <a:extLst>
+              <a:ext uri="{FF2B5EF4-FFF2-40B4-BE49-F238E27FC236}">
+                <a16:creationId xmlns:a16="http://schemas.microsoft.com/office/drawing/2014/main" id="{1DB7C82F-AB7E-4F0C-B829-FA1B9C415180}"/>
+              </a:ext>
+              <a:ext uri="{C183D7F6-B498-43B3-948B-1728B52AA6E4}">
+                <adec:decorative xmlns:adec="http://schemas.microsoft.com/office/drawing/2017/decorative" val="1"/>
+              </a:ext>
+            </a:extLst>
+          </p:cNvPr>
+          <p:cNvSpPr>
+            <a:spLocks noGrp="1" noRot="1" noChangeAspect="1" noMove="1" noResize="1" noEditPoints="1" noAdjustHandles="1" noChangeArrowheads="1" noChangeShapeType="1" noTextEdit="1"/>
+          </p:cNvSpPr>
+          <p:nvPr>
+            <p:extLst>
+              <p:ext uri="{386F3935-93C4-4BCD-93E2-E3B085C9AB24}">
+                <p16:designElem xmlns:p16="http://schemas.microsoft.com/office/powerpoint/2015/main" val="1"/>
+              </p:ext>
+            </p:extLst>
+          </p:nvPr>
+        </p:nvSpPr>
+        <p:spPr>
+          <a:xfrm flipH="1">
+            <a:off x="0" y="0"/>
+            <a:ext cx="6172782" cy="6858000"/>
+          </a:xfrm>
+          <a:custGeom>
+            <a:avLst/>
+            <a:gdLst>
+              <a:gd name="connsiteX0" fmla="*/ 6172782 w 6172782"/>
+              <a:gd name="connsiteY0" fmla="*/ 0 h 6858000"/>
+              <a:gd name="connsiteX1" fmla="*/ 69075 w 6172782"/>
+              <a:gd name="connsiteY1" fmla="*/ 0 h 6858000"/>
+              <a:gd name="connsiteX2" fmla="*/ 35131 w 6172782"/>
+              <a:gd name="connsiteY2" fmla="*/ 267128 h 6858000"/>
+              <a:gd name="connsiteX3" fmla="*/ 0 w 6172782"/>
+              <a:gd name="connsiteY3" fmla="*/ 962845 h 6858000"/>
+              <a:gd name="connsiteX4" fmla="*/ 3276103 w 6172782"/>
+              <a:gd name="connsiteY4" fmla="*/ 6782205 h 6858000"/>
+              <a:gd name="connsiteX5" fmla="*/ 3407923 w 6172782"/>
+              <a:gd name="connsiteY5" fmla="*/ 6858000 h 6858000"/>
+              <a:gd name="connsiteX6" fmla="*/ 6172782 w 6172782"/>
+              <a:gd name="connsiteY6" fmla="*/ 6858000 h 6858000"/>
+            </a:gdLst>
+            <a:ahLst/>
+            <a:cxnLst>
+              <a:cxn ang="0">
+                <a:pos x="connsiteX0" y="connsiteY0"/>
+              </a:cxn>
+              <a:cxn ang="0">
+                <a:pos x="connsiteX1" y="connsiteY1"/>
+              </a:cxn>
+              <a:cxn ang="0">
+                <a:pos x="connsiteX2" y="connsiteY2"/>
+              </a:cxn>
+              <a:cxn ang="0">
+                <a:pos x="connsiteX3" y="connsiteY3"/>
+              </a:cxn>
+              <a:cxn ang="0">
+                <a:pos x="connsiteX4" y="connsiteY4"/>
+              </a:cxn>
+              <a:cxn ang="0">
+                <a:pos x="connsiteX5" y="connsiteY5"/>
+              </a:cxn>
+              <a:cxn ang="0">
+                <a:pos x="connsiteX6" y="connsiteY6"/>
+              </a:cxn>
+            </a:cxnLst>
+            <a:rect l="l" t="t" r="r" b="b"/>
+            <a:pathLst>
+              <a:path w="6172782" h="6858000">
+                <a:moveTo>
+                  <a:pt x="6172782" y="0"/>
+                </a:moveTo>
+                <a:lnTo>
+                  <a:pt x="69075" y="0"/>
+                </a:lnTo>
+                <a:lnTo>
+                  <a:pt x="35131" y="267128"/>
+                </a:lnTo>
+                <a:cubicBezTo>
+                  <a:pt x="11901" y="495874"/>
+                  <a:pt x="0" y="727970"/>
+                  <a:pt x="0" y="962845"/>
+                </a:cubicBezTo>
+                <a:cubicBezTo>
+                  <a:pt x="0" y="3429034"/>
+                  <a:pt x="1312002" y="5588789"/>
+                  <a:pt x="3276103" y="6782205"/>
+                </a:cubicBezTo>
+                <a:lnTo>
+                  <a:pt x="3407923" y="6858000"/>
+                </a:lnTo>
+                <a:lnTo>
+                  <a:pt x="6172782" y="6858000"/>
+                </a:lnTo>
+                <a:close/>
+              </a:path>
+            </a:pathLst>
+          </a:custGeom>
+          <a:solidFill>
+            <a:schemeClr val="bg1">
+              <a:alpha val="80000"/>
+            </a:schemeClr>
+          </a:solidFill>
+          <a:ln>
+            <a:noFill/>
+          </a:ln>
+        </p:spPr>
+        <p:style>
+          <a:lnRef idx="2">
+            <a:schemeClr val="accent1">
+              <a:shade val="50000"/>
+            </a:schemeClr>
+          </a:lnRef>
+          <a:fillRef idx="1">
+            <a:schemeClr val="accent1"/>
+          </a:fillRef>
+          <a:effectRef idx="0">
+            <a:schemeClr val="accent1"/>
+          </a:effectRef>
+          <a:fontRef idx="minor">
+            <a:schemeClr val="lt1"/>
+          </a:fontRef>
+        </p:style>
+        <p:txBody>
+          <a:bodyPr wrap="square" rtlCol="0" anchor="ctr">
+            <a:noAutofit/>
+          </a:bodyPr>
+          <a:lstStyle/>
+          <a:p>
+            <a:pPr marL="0" marR="0" lvl="0" indent="0" algn="ctr" defTabSz="914400" rtl="0" eaLnBrk="1" fontAlgn="auto" latinLnBrk="0" hangingPunct="1">
+              <a:lnSpc>
+                <a:spcPct val="100000"/>
+              </a:lnSpc>
+              <a:spcBef>
+                <a:spcPts val="0"/>
+              </a:spcBef>
+              <a:spcAft>
+                <a:spcPts val="0"/>
+              </a:spcAft>
+              <a:buClrTx/>
+              <a:buSzTx/>
+              <a:buFontTx/>
+              <a:buNone/>
+              <a:tabLst/>
+              <a:defRPr/>
+            </a:pPr>
+            <a:endParaRPr kumimoji="0" lang="en-US" sz="1800" b="0" i="0" u="none" strike="noStrike" kern="1200" cap="none" spc="0" normalizeH="0" baseline="0" noProof="0">
+              <a:ln>
+                <a:noFill/>
+              </a:ln>
+              <a:solidFill>
+                <a:prstClr val="white"/>
+              </a:solidFill>
+              <a:effectLst/>
+              <a:uLnTx/>
+              <a:uFillTx/>
+              <a:latin typeface="Calibri" panose="020F0502020204030204"/>
+              <a:ea typeface="+mn-ea"/>
+              <a:cs typeface="+mn-cs"/>
+            </a:endParaRPr>
+          </a:p>
+        </p:txBody>
+      </p:sp>
+      <p:sp>
+        <p:nvSpPr>
+          <p:cNvPr id="32" name="Freeform: Shape 31">
+            <a:extLst>
+              <a:ext uri="{FF2B5EF4-FFF2-40B4-BE49-F238E27FC236}">
+                <a16:creationId xmlns:a16="http://schemas.microsoft.com/office/drawing/2014/main" id="{70B66945-4967-4040-926D-DCA44313CDAB}"/>
+              </a:ext>
+              <a:ext uri="{C183D7F6-B498-43B3-948B-1728B52AA6E4}">
+                <adec:decorative xmlns:adec="http://schemas.microsoft.com/office/drawing/2017/decorative" val="1"/>
+              </a:ext>
+            </a:extLst>
+          </p:cNvPr>
+          <p:cNvSpPr>
+            <a:spLocks noGrp="1" noRot="1" noChangeAspect="1" noMove="1" noResize="1" noEditPoints="1" noAdjustHandles="1" noChangeArrowheads="1" noChangeShapeType="1" noTextEdit="1"/>
+          </p:cNvSpPr>
+          <p:nvPr>
+            <p:extLst>
+              <p:ext uri="{386F3935-93C4-4BCD-93E2-E3B085C9AB24}">
+                <p16:designElem xmlns:p16="http://schemas.microsoft.com/office/powerpoint/2015/main" val="1"/>
+              </p:ext>
+            </p:extLst>
+          </p:nvPr>
+        </p:nvSpPr>
+        <p:spPr>
+          <a:xfrm>
+            <a:off x="0" y="0"/>
+            <a:ext cx="6024154" cy="6858000"/>
+          </a:xfrm>
+          <a:custGeom>
+            <a:avLst/>
+            <a:gdLst>
+              <a:gd name="connsiteX0" fmla="*/ 0 w 6024154"/>
+              <a:gd name="connsiteY0" fmla="*/ 0 h 6858000"/>
+              <a:gd name="connsiteX1" fmla="*/ 5953780 w 6024154"/>
+              <a:gd name="connsiteY1" fmla="*/ 0 h 6858000"/>
+              <a:gd name="connsiteX2" fmla="*/ 5989880 w 6024154"/>
+              <a:gd name="connsiteY2" fmla="*/ 284091 h 6858000"/>
+              <a:gd name="connsiteX3" fmla="*/ 6024154 w 6024154"/>
+              <a:gd name="connsiteY3" fmla="*/ 962844 h 6858000"/>
+              <a:gd name="connsiteX4" fmla="*/ 2549934 w 6024154"/>
+              <a:gd name="connsiteY4" fmla="*/ 6800152 h 6858000"/>
+              <a:gd name="connsiteX5" fmla="*/ 2436987 w 6024154"/>
+              <a:gd name="connsiteY5" fmla="*/ 6858000 h 6858000"/>
+              <a:gd name="connsiteX6" fmla="*/ 0 w 6024154"/>
+              <a:gd name="connsiteY6" fmla="*/ 6858000 h 6858000"/>
+            </a:gdLst>
+            <a:ahLst/>
+            <a:cxnLst>
+              <a:cxn ang="0">
+                <a:pos x="connsiteX0" y="connsiteY0"/>
+              </a:cxn>
+              <a:cxn ang="0">
+                <a:pos x="connsiteX1" y="connsiteY1"/>
+              </a:cxn>
+              <a:cxn ang="0">
+                <a:pos x="connsiteX2" y="connsiteY2"/>
+              </a:cxn>
+              <a:cxn ang="0">
+                <a:pos x="connsiteX3" y="connsiteY3"/>
+              </a:cxn>
+              <a:cxn ang="0">
+                <a:pos x="connsiteX4" y="connsiteY4"/>
+              </a:cxn>
+              <a:cxn ang="0">
+                <a:pos x="connsiteX5" y="connsiteY5"/>
+              </a:cxn>
+              <a:cxn ang="0">
+                <a:pos x="connsiteX6" y="connsiteY6"/>
+              </a:cxn>
+            </a:cxnLst>
+            <a:rect l="l" t="t" r="r" b="b"/>
+            <a:pathLst>
+              <a:path w="6024154" h="6858000">
+                <a:moveTo>
+                  <a:pt x="0" y="0"/>
+                </a:moveTo>
+                <a:lnTo>
+                  <a:pt x="5953780" y="0"/>
+                </a:lnTo>
+                <a:lnTo>
+                  <a:pt x="5989880" y="284091"/>
+                </a:lnTo>
+                <a:cubicBezTo>
+                  <a:pt x="6012544" y="507260"/>
+                  <a:pt x="6024154" y="733696"/>
+                  <a:pt x="6024154" y="962844"/>
+                </a:cubicBezTo>
+                <a:cubicBezTo>
+                  <a:pt x="6024154" y="3483472"/>
+                  <a:pt x="4619336" y="5675986"/>
+                  <a:pt x="2549934" y="6800152"/>
+                </a:cubicBezTo>
+                <a:lnTo>
+                  <a:pt x="2436987" y="6858000"/>
+                </a:lnTo>
+                <a:lnTo>
+                  <a:pt x="0" y="6858000"/>
+                </a:lnTo>
+                <a:close/>
+              </a:path>
+            </a:pathLst>
+          </a:custGeom>
+          <a:solidFill>
+            <a:schemeClr val="bg1"/>
+          </a:solidFill>
+          <a:ln>
+            <a:noFill/>
+          </a:ln>
+        </p:spPr>
+        <p:style>
+          <a:lnRef idx="2">
+            <a:schemeClr val="accent1">
+              <a:shade val="50000"/>
+            </a:schemeClr>
+          </a:lnRef>
+          <a:fillRef idx="1">
+            <a:schemeClr val="accent1"/>
+          </a:fillRef>
+          <a:effectRef idx="0">
+            <a:schemeClr val="accent1"/>
+          </a:effectRef>
+          <a:fontRef idx="minor">
+            <a:schemeClr val="lt1"/>
+          </a:fontRef>
+        </p:style>
+        <p:txBody>
+          <a:bodyPr wrap="square" rtlCol="0" anchor="ctr">
+            <a:noAutofit/>
+          </a:bodyPr>
+          <a:lstStyle/>
+          <a:p>
+            <a:pPr marL="0" marR="0" lvl="0" indent="0" algn="ctr" defTabSz="914400" rtl="0" eaLnBrk="1" fontAlgn="auto" latinLnBrk="0" hangingPunct="1">
+              <a:lnSpc>
+                <a:spcPct val="100000"/>
+              </a:lnSpc>
+              <a:spcBef>
+                <a:spcPts val="0"/>
+              </a:spcBef>
+              <a:spcAft>
+                <a:spcPts val="0"/>
+              </a:spcAft>
+              <a:buClrTx/>
+              <a:buSzTx/>
+              <a:buFontTx/>
+              <a:buNone/>
+              <a:tabLst/>
+              <a:defRPr/>
+            </a:pPr>
+            <a:endParaRPr kumimoji="0" lang="en-US" sz="1800" b="0" i="0" u="none" strike="noStrike" kern="1200" cap="none" spc="0" normalizeH="0" baseline="0" noProof="0">
+              <a:ln>
+                <a:noFill/>
+              </a:ln>
+              <a:solidFill>
+                <a:prstClr val="white"/>
+              </a:solidFill>
+              <a:effectLst/>
+              <a:uLnTx/>
+              <a:uFillTx/>
+              <a:latin typeface="Calibri" panose="020F0502020204030204"/>
+              <a:ea typeface="+mn-ea"/>
+              <a:cs typeface="+mn-cs"/>
+            </a:endParaRPr>
+          </a:p>
+        </p:txBody>
+      </p:sp>
+      <p:pic>
+        <p:nvPicPr>
+          <p:cNvPr id="9" name="Image 8">
+            <a:extLst>
+              <a:ext uri="{FF2B5EF4-FFF2-40B4-BE49-F238E27FC236}">
+                <a16:creationId xmlns:a16="http://schemas.microsoft.com/office/drawing/2014/main" id="{E7DAA738-EBB3-4178-94C0-A43C4E9FB698}"/>
+              </a:ext>
+            </a:extLst>
+          </p:cNvPr>
+          <p:cNvPicPr>
+            <a:picLocks noChangeAspect="1"/>
+          </p:cNvPicPr>
+          <p:nvPr/>
+        </p:nvPicPr>
+        <p:blipFill>
+          <a:blip r:embed="rId2">
+            <a:extLst>
+              <a:ext uri="{28A0092B-C50C-407E-A947-70E740481C1C}">
+                <a14:useLocalDpi xmlns:a14="http://schemas.microsoft.com/office/drawing/2010/main" val="0"/>
+              </a:ext>
+            </a:extLst>
+          </a:blip>
+          <a:stretch>
+            <a:fillRect/>
+          </a:stretch>
+        </p:blipFill>
+        <p:spPr>
+          <a:xfrm>
+            <a:off x="7993930" y="331517"/>
+            <a:ext cx="3612938" cy="1163366"/>
+          </a:xfrm>
+          <a:prstGeom prst="rect">
+            <a:avLst/>
+          </a:prstGeom>
+        </p:spPr>
+      </p:pic>
+    </p:spTree>
+    <p:extLst>
+      <p:ext uri="{BB962C8B-B14F-4D97-AF65-F5344CB8AC3E}">
+        <p14:creationId xmlns:p14="http://schemas.microsoft.com/office/powerpoint/2010/main" val="1214180409"/>
+      </p:ext>
+    </p:extLst>
+  </p:cSld>
+  <p:clrMapOvr>
+    <a:masterClrMapping/>
+  </p:clrMapOvr>
+</p:sld>
+</file>
+
+<file path=ppt/slides/slide4.xml><?xml version="1.0" encoding="utf-8"?>
+<p:sld xmlns:a="http://schemas.openxmlformats.org/drawingml/2006/main" xmlns:r="http://schemas.openxmlformats.org/officeDocument/2006/relationships" xmlns:p="http://schemas.openxmlformats.org/presentationml/2006/main">
+  <p:cSld>
+    <p:bg>
+      <p:bgPr>
+        <a:solidFill>
+          <a:schemeClr val="bg1"/>
+        </a:solidFill>
+        <a:effectLst/>
+      </p:bgPr>
+    </p:bg>
+    <p:spTree>
+      <p:nvGrpSpPr>
+        <p:cNvPr id="1" name=""/>
+        <p:cNvGrpSpPr/>
+        <p:nvPr/>
+      </p:nvGrpSpPr>
+      <p:grpSpPr>
+        <a:xfrm>
+          <a:off x="0" y="0"/>
+          <a:ext cx="0" cy="0"/>
+          <a:chOff x="0" y="0"/>
+          <a:chExt cx="0" cy="0"/>
+        </a:xfrm>
+      </p:grpSpPr>
+      <p:sp>
+        <p:nvSpPr>
+          <p:cNvPr id="28" name="Rectangle 27">
+            <a:extLst>
+              <a:ext uri="{FF2B5EF4-FFF2-40B4-BE49-F238E27FC236}">
+                <a16:creationId xmlns:a16="http://schemas.microsoft.com/office/drawing/2014/main" id="{C0B27210-D0CA-4654-B3E3-9ABB4F178EA1}"/>
+              </a:ext>
+              <a:ext uri="{C183D7F6-B498-43B3-948B-1728B52AA6E4}">
+                <adec:decorative xmlns:adec="http://schemas.microsoft.com/office/drawing/2017/decorative" val="1"/>
+              </a:ext>
+            </a:extLst>
+          </p:cNvPr>
+          <p:cNvSpPr>
+            <a:spLocks noGrp="1" noRot="1" noChangeAspect="1" noMove="1" noResize="1" noEditPoints="1" noAdjustHandles="1" noChangeArrowheads="1" noChangeShapeType="1" noTextEdit="1"/>
+          </p:cNvSpPr>
+          <p:nvPr>
+            <p:extLst>
+              <p:ext uri="{386F3935-93C4-4BCD-93E2-E3B085C9AB24}">
+                <p16:designElem xmlns:p16="http://schemas.microsoft.com/office/powerpoint/2015/main" val="1"/>
+              </p:ext>
+            </p:extLst>
+          </p:nvPr>
+        </p:nvSpPr>
+        <p:spPr>
+          <a:xfrm>
+            <a:off x="0" y="0"/>
+            <a:ext cx="12192000" cy="6858000"/>
+          </a:xfrm>
+          <a:prstGeom prst="rect">
+            <a:avLst/>
+          </a:prstGeom>
+          <a:solidFill>
+            <a:schemeClr val="tx1">
+              <a:lumMod val="75000"/>
+              <a:lumOff val="25000"/>
+            </a:schemeClr>
+          </a:solidFill>
+          <a:ln>
+            <a:noFill/>
+          </a:ln>
+        </p:spPr>
+        <p:style>
+          <a:lnRef idx="2">
+            <a:schemeClr val="accent1">
+              <a:shade val="50000"/>
+            </a:schemeClr>
+          </a:lnRef>
+          <a:fillRef idx="1">
+            <a:schemeClr val="accent1"/>
+          </a:fillRef>
+          <a:effectRef idx="0">
+            <a:schemeClr val="accent1"/>
+          </a:effectRef>
+          <a:fontRef idx="minor">
+            <a:schemeClr val="lt1"/>
+          </a:fontRef>
+        </p:style>
+        <p:txBody>
+          <a:bodyPr rtlCol="0" anchor="ctr"/>
+          <a:lstStyle/>
+          <a:p>
+            <a:pPr algn="ctr"/>
+            <a:endParaRPr lang="en-US"/>
+          </a:p>
+        </p:txBody>
+      </p:sp>
+      <p:sp>
+        <p:nvSpPr>
+          <p:cNvPr id="2" name="Titre 1">
+            <a:extLst>
+              <a:ext uri="{FF2B5EF4-FFF2-40B4-BE49-F238E27FC236}">
+                <a16:creationId xmlns:a16="http://schemas.microsoft.com/office/drawing/2014/main" id="{99B1F4EA-79E3-4F9A-8E92-06130A186978}"/>
+              </a:ext>
+            </a:extLst>
+          </p:cNvPr>
+          <p:cNvSpPr>
+            <a:spLocks noGrp="1"/>
+          </p:cNvSpPr>
+          <p:nvPr>
+            <p:ph type="ctrTitle"/>
+          </p:nvPr>
+        </p:nvSpPr>
+        <p:spPr>
+          <a:xfrm>
+            <a:off x="6746628" y="1783959"/>
+            <a:ext cx="4645250" cy="2889114"/>
+          </a:xfrm>
+        </p:spPr>
+        <p:txBody>
+          <a:bodyPr anchor="b">
+            <a:normAutofit/>
+          </a:bodyPr>
+          <a:lstStyle/>
+          <a:p>
+            <a:pPr algn="l"/>
+            <a:r>
+              <a:rPr lang="fr-FR" dirty="0">
+                <a:solidFill>
+                  <a:schemeClr val="bg1"/>
+                </a:solidFill>
+              </a:rPr>
+              <a:t>Revue de Projet n°3</a:t>
+            </a:r>
+          </a:p>
+        </p:txBody>
+      </p:sp>
+      <p:sp>
+        <p:nvSpPr>
+          <p:cNvPr id="3" name="Sous-titre 2">
+            <a:extLst>
+              <a:ext uri="{FF2B5EF4-FFF2-40B4-BE49-F238E27FC236}">
+                <a16:creationId xmlns:a16="http://schemas.microsoft.com/office/drawing/2014/main" id="{2292125D-D70B-4D6D-9C1C-D4881C4F9066}"/>
+              </a:ext>
+            </a:extLst>
+          </p:cNvPr>
+          <p:cNvSpPr>
+            <a:spLocks noGrp="1"/>
+          </p:cNvSpPr>
+          <p:nvPr>
+            <p:ph type="subTitle" idx="1"/>
+          </p:nvPr>
+        </p:nvSpPr>
+        <p:spPr>
+          <a:xfrm>
+            <a:off x="6746627" y="4750893"/>
+            <a:ext cx="4645250" cy="1147863"/>
+          </a:xfrm>
+        </p:spPr>
+        <p:txBody>
+          <a:bodyPr anchor="t">
+            <a:normAutofit/>
+          </a:bodyPr>
+          <a:lstStyle/>
+          <a:p>
+            <a:pPr algn="l"/>
+            <a:endParaRPr lang="fr-FR" sz="2000">
+              <a:solidFill>
+                <a:schemeClr val="bg1"/>
+              </a:solidFill>
+            </a:endParaRPr>
+          </a:p>
+        </p:txBody>
+      </p:sp>
+      <p:sp>
+        <p:nvSpPr>
+          <p:cNvPr id="30" name="Freeform: Shape 29">
+            <a:extLst>
+              <a:ext uri="{FF2B5EF4-FFF2-40B4-BE49-F238E27FC236}">
+                <a16:creationId xmlns:a16="http://schemas.microsoft.com/office/drawing/2014/main" id="{1DB7C82F-AB7E-4F0C-B829-FA1B9C415180}"/>
+              </a:ext>
+              <a:ext uri="{C183D7F6-B498-43B3-948B-1728B52AA6E4}">
+                <adec:decorative xmlns:adec="http://schemas.microsoft.com/office/drawing/2017/decorative" val="1"/>
+              </a:ext>
+            </a:extLst>
+          </p:cNvPr>
+          <p:cNvSpPr>
+            <a:spLocks noGrp="1" noRot="1" noChangeAspect="1" noMove="1" noResize="1" noEditPoints="1" noAdjustHandles="1" noChangeArrowheads="1" noChangeShapeType="1" noTextEdit="1"/>
+          </p:cNvSpPr>
+          <p:nvPr>
+            <p:extLst>
+              <p:ext uri="{386F3935-93C4-4BCD-93E2-E3B085C9AB24}">
+                <p16:designElem xmlns:p16="http://schemas.microsoft.com/office/powerpoint/2015/main" val="1"/>
+              </p:ext>
+            </p:extLst>
+          </p:nvPr>
+        </p:nvSpPr>
+        <p:spPr>
+          <a:xfrm flipH="1">
+            <a:off x="0" y="0"/>
+            <a:ext cx="6172782" cy="6858000"/>
+          </a:xfrm>
+          <a:custGeom>
+            <a:avLst/>
+            <a:gdLst>
+              <a:gd name="connsiteX0" fmla="*/ 6172782 w 6172782"/>
+              <a:gd name="connsiteY0" fmla="*/ 0 h 6858000"/>
+              <a:gd name="connsiteX1" fmla="*/ 69075 w 6172782"/>
+              <a:gd name="connsiteY1" fmla="*/ 0 h 6858000"/>
+              <a:gd name="connsiteX2" fmla="*/ 35131 w 6172782"/>
+              <a:gd name="connsiteY2" fmla="*/ 267128 h 6858000"/>
+              <a:gd name="connsiteX3" fmla="*/ 0 w 6172782"/>
+              <a:gd name="connsiteY3" fmla="*/ 962845 h 6858000"/>
+              <a:gd name="connsiteX4" fmla="*/ 3276103 w 6172782"/>
+              <a:gd name="connsiteY4" fmla="*/ 6782205 h 6858000"/>
+              <a:gd name="connsiteX5" fmla="*/ 3407923 w 6172782"/>
+              <a:gd name="connsiteY5" fmla="*/ 6858000 h 6858000"/>
+              <a:gd name="connsiteX6" fmla="*/ 6172782 w 6172782"/>
+              <a:gd name="connsiteY6" fmla="*/ 6858000 h 6858000"/>
+            </a:gdLst>
+            <a:ahLst/>
+            <a:cxnLst>
+              <a:cxn ang="0">
+                <a:pos x="connsiteX0" y="connsiteY0"/>
+              </a:cxn>
+              <a:cxn ang="0">
+                <a:pos x="connsiteX1" y="connsiteY1"/>
+              </a:cxn>
+              <a:cxn ang="0">
+                <a:pos x="connsiteX2" y="connsiteY2"/>
+              </a:cxn>
+              <a:cxn ang="0">
+                <a:pos x="connsiteX3" y="connsiteY3"/>
+              </a:cxn>
+              <a:cxn ang="0">
+                <a:pos x="connsiteX4" y="connsiteY4"/>
+              </a:cxn>
+              <a:cxn ang="0">
+                <a:pos x="connsiteX5" y="connsiteY5"/>
+              </a:cxn>
+              <a:cxn ang="0">
+                <a:pos x="connsiteX6" y="connsiteY6"/>
+              </a:cxn>
+            </a:cxnLst>
+            <a:rect l="l" t="t" r="r" b="b"/>
+            <a:pathLst>
+              <a:path w="6172782" h="6858000">
+                <a:moveTo>
+                  <a:pt x="6172782" y="0"/>
+                </a:moveTo>
+                <a:lnTo>
+                  <a:pt x="69075" y="0"/>
+                </a:lnTo>
+                <a:lnTo>
+                  <a:pt x="35131" y="267128"/>
+                </a:lnTo>
+                <a:cubicBezTo>
+                  <a:pt x="11901" y="495874"/>
+                  <a:pt x="0" y="727970"/>
+                  <a:pt x="0" y="962845"/>
+                </a:cubicBezTo>
+                <a:cubicBezTo>
+                  <a:pt x="0" y="3429034"/>
+                  <a:pt x="1312002" y="5588789"/>
+                  <a:pt x="3276103" y="6782205"/>
+                </a:cubicBezTo>
+                <a:lnTo>
+                  <a:pt x="3407923" y="6858000"/>
+                </a:lnTo>
+                <a:lnTo>
+                  <a:pt x="6172782" y="6858000"/>
+                </a:lnTo>
+                <a:close/>
+              </a:path>
+            </a:pathLst>
+          </a:custGeom>
+          <a:solidFill>
+            <a:schemeClr val="bg1">
+              <a:alpha val="80000"/>
+            </a:schemeClr>
+          </a:solidFill>
+          <a:ln>
+            <a:noFill/>
+          </a:ln>
+        </p:spPr>
+        <p:style>
+          <a:lnRef idx="2">
+            <a:schemeClr val="accent1">
+              <a:shade val="50000"/>
+            </a:schemeClr>
+          </a:lnRef>
+          <a:fillRef idx="1">
+            <a:schemeClr val="accent1"/>
+          </a:fillRef>
+          <a:effectRef idx="0">
+            <a:schemeClr val="accent1"/>
+          </a:effectRef>
+          <a:fontRef idx="minor">
+            <a:schemeClr val="lt1"/>
+          </a:fontRef>
+        </p:style>
+        <p:txBody>
+          <a:bodyPr wrap="square" rtlCol="0" anchor="ctr">
+            <a:noAutofit/>
+          </a:bodyPr>
+          <a:lstStyle/>
+          <a:p>
+            <a:pPr marL="0" marR="0" lvl="0" indent="0" algn="ctr" defTabSz="914400" rtl="0" eaLnBrk="1" fontAlgn="auto" latinLnBrk="0" hangingPunct="1">
+              <a:lnSpc>
+                <a:spcPct val="100000"/>
+              </a:lnSpc>
+              <a:spcBef>
+                <a:spcPts val="0"/>
+              </a:spcBef>
+              <a:spcAft>
+                <a:spcPts val="0"/>
+              </a:spcAft>
+              <a:buClrTx/>
+              <a:buSzTx/>
+              <a:buFontTx/>
+              <a:buNone/>
+              <a:tabLst/>
+              <a:defRPr/>
+            </a:pPr>
+            <a:endParaRPr kumimoji="0" lang="en-US" sz="1800" b="0" i="0" u="none" strike="noStrike" kern="1200" cap="none" spc="0" normalizeH="0" baseline="0" noProof="0">
+              <a:ln>
+                <a:noFill/>
+              </a:ln>
+              <a:solidFill>
+                <a:prstClr val="white"/>
+              </a:solidFill>
+              <a:effectLst/>
+              <a:uLnTx/>
+              <a:uFillTx/>
+              <a:latin typeface="Calibri" panose="020F0502020204030204"/>
+              <a:ea typeface="+mn-ea"/>
+              <a:cs typeface="+mn-cs"/>
+            </a:endParaRPr>
+          </a:p>
+        </p:txBody>
+      </p:sp>
+      <p:sp>
+        <p:nvSpPr>
+          <p:cNvPr id="32" name="Freeform: Shape 31">
+            <a:extLst>
+              <a:ext uri="{FF2B5EF4-FFF2-40B4-BE49-F238E27FC236}">
+                <a16:creationId xmlns:a16="http://schemas.microsoft.com/office/drawing/2014/main" id="{70B66945-4967-4040-926D-DCA44313CDAB}"/>
+              </a:ext>
+              <a:ext uri="{C183D7F6-B498-43B3-948B-1728B52AA6E4}">
+                <adec:decorative xmlns:adec="http://schemas.microsoft.com/office/drawing/2017/decorative" val="1"/>
+              </a:ext>
+            </a:extLst>
+          </p:cNvPr>
+          <p:cNvSpPr>
+            <a:spLocks noGrp="1" noRot="1" noChangeAspect="1" noMove="1" noResize="1" noEditPoints="1" noAdjustHandles="1" noChangeArrowheads="1" noChangeShapeType="1" noTextEdit="1"/>
+          </p:cNvSpPr>
+          <p:nvPr>
+            <p:extLst>
+              <p:ext uri="{386F3935-93C4-4BCD-93E2-E3B085C9AB24}">
+                <p16:designElem xmlns:p16="http://schemas.microsoft.com/office/powerpoint/2015/main" val="1"/>
+              </p:ext>
+            </p:extLst>
+          </p:nvPr>
+        </p:nvSpPr>
+        <p:spPr>
+          <a:xfrm>
+            <a:off x="0" y="0"/>
+            <a:ext cx="6024154" cy="6858000"/>
+          </a:xfrm>
+          <a:custGeom>
+            <a:avLst/>
+            <a:gdLst>
+              <a:gd name="connsiteX0" fmla="*/ 0 w 6024154"/>
+              <a:gd name="connsiteY0" fmla="*/ 0 h 6858000"/>
+              <a:gd name="connsiteX1" fmla="*/ 5953780 w 6024154"/>
+              <a:gd name="connsiteY1" fmla="*/ 0 h 6858000"/>
+              <a:gd name="connsiteX2" fmla="*/ 5989880 w 6024154"/>
+              <a:gd name="connsiteY2" fmla="*/ 284091 h 6858000"/>
+              <a:gd name="connsiteX3" fmla="*/ 6024154 w 6024154"/>
+              <a:gd name="connsiteY3" fmla="*/ 962844 h 6858000"/>
+              <a:gd name="connsiteX4" fmla="*/ 2549934 w 6024154"/>
+              <a:gd name="connsiteY4" fmla="*/ 6800152 h 6858000"/>
+              <a:gd name="connsiteX5" fmla="*/ 2436987 w 6024154"/>
+              <a:gd name="connsiteY5" fmla="*/ 6858000 h 6858000"/>
+              <a:gd name="connsiteX6" fmla="*/ 0 w 6024154"/>
+              <a:gd name="connsiteY6" fmla="*/ 6858000 h 6858000"/>
+            </a:gdLst>
+            <a:ahLst/>
+            <a:cxnLst>
+              <a:cxn ang="0">
+                <a:pos x="connsiteX0" y="connsiteY0"/>
+              </a:cxn>
+              <a:cxn ang="0">
+                <a:pos x="connsiteX1" y="connsiteY1"/>
+              </a:cxn>
+              <a:cxn ang="0">
+                <a:pos x="connsiteX2" y="connsiteY2"/>
+              </a:cxn>
+              <a:cxn ang="0">
+                <a:pos x="connsiteX3" y="connsiteY3"/>
+              </a:cxn>
+              <a:cxn ang="0">
+                <a:pos x="connsiteX4" y="connsiteY4"/>
+              </a:cxn>
+              <a:cxn ang="0">
+                <a:pos x="connsiteX5" y="connsiteY5"/>
+              </a:cxn>
+              <a:cxn ang="0">
+                <a:pos x="connsiteX6" y="connsiteY6"/>
+              </a:cxn>
+            </a:cxnLst>
+            <a:rect l="l" t="t" r="r" b="b"/>
+            <a:pathLst>
+              <a:path w="6024154" h="6858000">
+                <a:moveTo>
+                  <a:pt x="0" y="0"/>
+                </a:moveTo>
+                <a:lnTo>
+                  <a:pt x="5953780" y="0"/>
+                </a:lnTo>
+                <a:lnTo>
+                  <a:pt x="5989880" y="284091"/>
+                </a:lnTo>
+                <a:cubicBezTo>
+                  <a:pt x="6012544" y="507260"/>
+                  <a:pt x="6024154" y="733696"/>
+                  <a:pt x="6024154" y="962844"/>
+                </a:cubicBezTo>
+                <a:cubicBezTo>
+                  <a:pt x="6024154" y="3483472"/>
+                  <a:pt x="4619336" y="5675986"/>
+                  <a:pt x="2549934" y="6800152"/>
+                </a:cubicBezTo>
+                <a:lnTo>
+                  <a:pt x="2436987" y="6858000"/>
+                </a:lnTo>
+                <a:lnTo>
+                  <a:pt x="0" y="6858000"/>
+                </a:lnTo>
+                <a:close/>
+              </a:path>
+            </a:pathLst>
+          </a:custGeom>
+          <a:solidFill>
+            <a:schemeClr val="bg1"/>
+          </a:solidFill>
+          <a:ln>
+            <a:noFill/>
+          </a:ln>
+        </p:spPr>
+        <p:style>
+          <a:lnRef idx="2">
+            <a:schemeClr val="accent1">
+              <a:shade val="50000"/>
+            </a:schemeClr>
+          </a:lnRef>
+          <a:fillRef idx="1">
+            <a:schemeClr val="accent1"/>
+          </a:fillRef>
+          <a:effectRef idx="0">
+            <a:schemeClr val="accent1"/>
+          </a:effectRef>
+          <a:fontRef idx="minor">
+            <a:schemeClr val="lt1"/>
+          </a:fontRef>
+        </p:style>
+        <p:txBody>
+          <a:bodyPr wrap="square" rtlCol="0" anchor="ctr">
+            <a:noAutofit/>
+          </a:bodyPr>
+          <a:lstStyle/>
+          <a:p>
+            <a:pPr marL="0" marR="0" lvl="0" indent="0" algn="ctr" defTabSz="914400" rtl="0" eaLnBrk="1" fontAlgn="auto" latinLnBrk="0" hangingPunct="1">
+              <a:lnSpc>
+                <a:spcPct val="100000"/>
+              </a:lnSpc>
+              <a:spcBef>
+                <a:spcPts val="0"/>
+              </a:spcBef>
+              <a:spcAft>
+                <a:spcPts val="0"/>
+              </a:spcAft>
+              <a:buClrTx/>
+              <a:buSzTx/>
+              <a:buFontTx/>
+              <a:buNone/>
+              <a:tabLst/>
+              <a:defRPr/>
+            </a:pPr>
+            <a:endParaRPr kumimoji="0" lang="en-US" sz="1800" b="0" i="0" u="none" strike="noStrike" kern="1200" cap="none" spc="0" normalizeH="0" baseline="0" noProof="0">
+              <a:ln>
+                <a:noFill/>
+              </a:ln>
+              <a:solidFill>
+                <a:prstClr val="white"/>
+              </a:solidFill>
+              <a:effectLst/>
+              <a:uLnTx/>
+              <a:uFillTx/>
+              <a:latin typeface="Calibri" panose="020F0502020204030204"/>
+              <a:ea typeface="+mn-ea"/>
+              <a:cs typeface="+mn-cs"/>
+            </a:endParaRPr>
+          </a:p>
+        </p:txBody>
+      </p:sp>
+      <p:pic>
+        <p:nvPicPr>
           <p:cNvPr id="7" name="Graphic 6">
             <a:extLst>
               <a:ext uri="{FF2B5EF4-FFF2-40B4-BE49-F238E27FC236}">
@@ -4486,10 +5664,634 @@
           </a:prstGeom>
         </p:spPr>
       </p:pic>
+      <p:pic>
+        <p:nvPicPr>
+          <p:cNvPr id="9" name="Image 8">
+            <a:extLst>
+              <a:ext uri="{FF2B5EF4-FFF2-40B4-BE49-F238E27FC236}">
+                <a16:creationId xmlns:a16="http://schemas.microsoft.com/office/drawing/2014/main" id="{139CE736-C9E0-4731-B1AD-D9D57CBC032C}"/>
+              </a:ext>
+            </a:extLst>
+          </p:cNvPr>
+          <p:cNvPicPr>
+            <a:picLocks noChangeAspect="1"/>
+          </p:cNvPicPr>
+          <p:nvPr/>
+        </p:nvPicPr>
+        <p:blipFill>
+          <a:blip r:embed="rId4">
+            <a:extLst>
+              <a:ext uri="{28A0092B-C50C-407E-A947-70E740481C1C}">
+                <a14:useLocalDpi xmlns:a14="http://schemas.microsoft.com/office/drawing/2010/main" val="0"/>
+              </a:ext>
+            </a:extLst>
+          </a:blip>
+          <a:stretch>
+            <a:fillRect/>
+          </a:stretch>
+        </p:blipFill>
+        <p:spPr>
+          <a:xfrm>
+            <a:off x="7993930" y="331517"/>
+            <a:ext cx="3612938" cy="1163366"/>
+          </a:xfrm>
+          <a:prstGeom prst="rect">
+            <a:avLst/>
+          </a:prstGeom>
+        </p:spPr>
+      </p:pic>
     </p:spTree>
     <p:extLst>
       <p:ext uri="{BB962C8B-B14F-4D97-AF65-F5344CB8AC3E}">
-        <p14:creationId xmlns:p14="http://schemas.microsoft.com/office/powerpoint/2010/main" val="2259472507"/>
+        <p14:creationId xmlns:p14="http://schemas.microsoft.com/office/powerpoint/2010/main" val="2132755796"/>
+      </p:ext>
+    </p:extLst>
+  </p:cSld>
+  <p:clrMapOvr>
+    <a:masterClrMapping/>
+  </p:clrMapOvr>
+</p:sld>
+</file>
+
+<file path=ppt/slides/slide5.xml><?xml version="1.0" encoding="utf-8"?>
+<p:sld xmlns:a="http://schemas.openxmlformats.org/drawingml/2006/main" xmlns:r="http://schemas.openxmlformats.org/officeDocument/2006/relationships" xmlns:p="http://schemas.openxmlformats.org/presentationml/2006/main">
+  <p:cSld>
+    <p:bg>
+      <p:bgPr>
+        <a:solidFill>
+          <a:schemeClr val="bg1"/>
+        </a:solidFill>
+        <a:effectLst/>
+      </p:bgPr>
+    </p:bg>
+    <p:spTree>
+      <p:nvGrpSpPr>
+        <p:cNvPr id="1" name=""/>
+        <p:cNvGrpSpPr/>
+        <p:nvPr/>
+      </p:nvGrpSpPr>
+      <p:grpSpPr>
+        <a:xfrm>
+          <a:off x="0" y="0"/>
+          <a:ext cx="0" cy="0"/>
+          <a:chOff x="0" y="0"/>
+          <a:chExt cx="0" cy="0"/>
+        </a:xfrm>
+      </p:grpSpPr>
+      <p:sp>
+        <p:nvSpPr>
+          <p:cNvPr id="28" name="Rectangle 27">
+            <a:extLst>
+              <a:ext uri="{FF2B5EF4-FFF2-40B4-BE49-F238E27FC236}">
+                <a16:creationId xmlns:a16="http://schemas.microsoft.com/office/drawing/2014/main" id="{C0B27210-D0CA-4654-B3E3-9ABB4F178EA1}"/>
+              </a:ext>
+              <a:ext uri="{C183D7F6-B498-43B3-948B-1728B52AA6E4}">
+                <adec:decorative xmlns:adec="http://schemas.microsoft.com/office/drawing/2017/decorative" val="1"/>
+              </a:ext>
+            </a:extLst>
+          </p:cNvPr>
+          <p:cNvSpPr>
+            <a:spLocks noGrp="1" noRot="1" noChangeAspect="1" noMove="1" noResize="1" noEditPoints="1" noAdjustHandles="1" noChangeArrowheads="1" noChangeShapeType="1" noTextEdit="1"/>
+          </p:cNvSpPr>
+          <p:nvPr>
+            <p:extLst>
+              <p:ext uri="{386F3935-93C4-4BCD-93E2-E3B085C9AB24}">
+                <p16:designElem xmlns:p16="http://schemas.microsoft.com/office/powerpoint/2015/main" val="1"/>
+              </p:ext>
+            </p:extLst>
+          </p:nvPr>
+        </p:nvSpPr>
+        <p:spPr>
+          <a:xfrm>
+            <a:off x="0" y="0"/>
+            <a:ext cx="12192000" cy="6858000"/>
+          </a:xfrm>
+          <a:prstGeom prst="rect">
+            <a:avLst/>
+          </a:prstGeom>
+          <a:solidFill>
+            <a:schemeClr val="tx1">
+              <a:lumMod val="75000"/>
+              <a:lumOff val="25000"/>
+            </a:schemeClr>
+          </a:solidFill>
+          <a:ln>
+            <a:noFill/>
+          </a:ln>
+        </p:spPr>
+        <p:style>
+          <a:lnRef idx="2">
+            <a:schemeClr val="accent1">
+              <a:shade val="50000"/>
+            </a:schemeClr>
+          </a:lnRef>
+          <a:fillRef idx="1">
+            <a:schemeClr val="accent1"/>
+          </a:fillRef>
+          <a:effectRef idx="0">
+            <a:schemeClr val="accent1"/>
+          </a:effectRef>
+          <a:fontRef idx="minor">
+            <a:schemeClr val="lt1"/>
+          </a:fontRef>
+        </p:style>
+        <p:txBody>
+          <a:bodyPr rtlCol="0" anchor="ctr"/>
+          <a:lstStyle/>
+          <a:p>
+            <a:pPr algn="ctr"/>
+            <a:endParaRPr lang="en-US"/>
+          </a:p>
+        </p:txBody>
+      </p:sp>
+      <p:sp>
+        <p:nvSpPr>
+          <p:cNvPr id="2" name="Titre 1">
+            <a:extLst>
+              <a:ext uri="{FF2B5EF4-FFF2-40B4-BE49-F238E27FC236}">
+                <a16:creationId xmlns:a16="http://schemas.microsoft.com/office/drawing/2014/main" id="{99B1F4EA-79E3-4F9A-8E92-06130A186978}"/>
+              </a:ext>
+            </a:extLst>
+          </p:cNvPr>
+          <p:cNvSpPr>
+            <a:spLocks noGrp="1"/>
+          </p:cNvSpPr>
+          <p:nvPr>
+            <p:ph type="ctrTitle"/>
+          </p:nvPr>
+        </p:nvSpPr>
+        <p:spPr>
+          <a:xfrm>
+            <a:off x="6746628" y="1783959"/>
+            <a:ext cx="4645250" cy="2889114"/>
+          </a:xfrm>
+        </p:spPr>
+        <p:txBody>
+          <a:bodyPr anchor="b">
+            <a:normAutofit/>
+          </a:bodyPr>
+          <a:lstStyle/>
+          <a:p>
+            <a:pPr algn="l"/>
+            <a:r>
+              <a:rPr lang="fr-FR" dirty="0">
+                <a:solidFill>
+                  <a:schemeClr val="bg1"/>
+                </a:solidFill>
+              </a:rPr>
+              <a:t>Revue de Projet n°3</a:t>
+            </a:r>
+          </a:p>
+        </p:txBody>
+      </p:sp>
+      <p:sp>
+        <p:nvSpPr>
+          <p:cNvPr id="3" name="Sous-titre 2">
+            <a:extLst>
+              <a:ext uri="{FF2B5EF4-FFF2-40B4-BE49-F238E27FC236}">
+                <a16:creationId xmlns:a16="http://schemas.microsoft.com/office/drawing/2014/main" id="{2292125D-D70B-4D6D-9C1C-D4881C4F9066}"/>
+              </a:ext>
+            </a:extLst>
+          </p:cNvPr>
+          <p:cNvSpPr>
+            <a:spLocks noGrp="1"/>
+          </p:cNvSpPr>
+          <p:nvPr>
+            <p:ph type="subTitle" idx="1"/>
+          </p:nvPr>
+        </p:nvSpPr>
+        <p:spPr>
+          <a:xfrm>
+            <a:off x="6746627" y="4750893"/>
+            <a:ext cx="4645250" cy="1147863"/>
+          </a:xfrm>
+        </p:spPr>
+        <p:txBody>
+          <a:bodyPr anchor="t">
+            <a:normAutofit/>
+          </a:bodyPr>
+          <a:lstStyle/>
+          <a:p>
+            <a:pPr algn="l"/>
+            <a:endParaRPr lang="fr-FR" sz="2000">
+              <a:solidFill>
+                <a:schemeClr val="bg1"/>
+              </a:solidFill>
+            </a:endParaRPr>
+          </a:p>
+        </p:txBody>
+      </p:sp>
+      <p:sp>
+        <p:nvSpPr>
+          <p:cNvPr id="30" name="Freeform: Shape 29">
+            <a:extLst>
+              <a:ext uri="{FF2B5EF4-FFF2-40B4-BE49-F238E27FC236}">
+                <a16:creationId xmlns:a16="http://schemas.microsoft.com/office/drawing/2014/main" id="{1DB7C82F-AB7E-4F0C-B829-FA1B9C415180}"/>
+              </a:ext>
+              <a:ext uri="{C183D7F6-B498-43B3-948B-1728B52AA6E4}">
+                <adec:decorative xmlns:adec="http://schemas.microsoft.com/office/drawing/2017/decorative" val="1"/>
+              </a:ext>
+            </a:extLst>
+          </p:cNvPr>
+          <p:cNvSpPr>
+            <a:spLocks noGrp="1" noRot="1" noChangeAspect="1" noMove="1" noResize="1" noEditPoints="1" noAdjustHandles="1" noChangeArrowheads="1" noChangeShapeType="1" noTextEdit="1"/>
+          </p:cNvSpPr>
+          <p:nvPr>
+            <p:extLst>
+              <p:ext uri="{386F3935-93C4-4BCD-93E2-E3B085C9AB24}">
+                <p16:designElem xmlns:p16="http://schemas.microsoft.com/office/powerpoint/2015/main" val="1"/>
+              </p:ext>
+            </p:extLst>
+          </p:nvPr>
+        </p:nvSpPr>
+        <p:spPr>
+          <a:xfrm flipH="1">
+            <a:off x="0" y="0"/>
+            <a:ext cx="6172782" cy="6858000"/>
+          </a:xfrm>
+          <a:custGeom>
+            <a:avLst/>
+            <a:gdLst>
+              <a:gd name="connsiteX0" fmla="*/ 6172782 w 6172782"/>
+              <a:gd name="connsiteY0" fmla="*/ 0 h 6858000"/>
+              <a:gd name="connsiteX1" fmla="*/ 69075 w 6172782"/>
+              <a:gd name="connsiteY1" fmla="*/ 0 h 6858000"/>
+              <a:gd name="connsiteX2" fmla="*/ 35131 w 6172782"/>
+              <a:gd name="connsiteY2" fmla="*/ 267128 h 6858000"/>
+              <a:gd name="connsiteX3" fmla="*/ 0 w 6172782"/>
+              <a:gd name="connsiteY3" fmla="*/ 962845 h 6858000"/>
+              <a:gd name="connsiteX4" fmla="*/ 3276103 w 6172782"/>
+              <a:gd name="connsiteY4" fmla="*/ 6782205 h 6858000"/>
+              <a:gd name="connsiteX5" fmla="*/ 3407923 w 6172782"/>
+              <a:gd name="connsiteY5" fmla="*/ 6858000 h 6858000"/>
+              <a:gd name="connsiteX6" fmla="*/ 6172782 w 6172782"/>
+              <a:gd name="connsiteY6" fmla="*/ 6858000 h 6858000"/>
+            </a:gdLst>
+            <a:ahLst/>
+            <a:cxnLst>
+              <a:cxn ang="0">
+                <a:pos x="connsiteX0" y="connsiteY0"/>
+              </a:cxn>
+              <a:cxn ang="0">
+                <a:pos x="connsiteX1" y="connsiteY1"/>
+              </a:cxn>
+              <a:cxn ang="0">
+                <a:pos x="connsiteX2" y="connsiteY2"/>
+              </a:cxn>
+              <a:cxn ang="0">
+                <a:pos x="connsiteX3" y="connsiteY3"/>
+              </a:cxn>
+              <a:cxn ang="0">
+                <a:pos x="connsiteX4" y="connsiteY4"/>
+              </a:cxn>
+              <a:cxn ang="0">
+                <a:pos x="connsiteX5" y="connsiteY5"/>
+              </a:cxn>
+              <a:cxn ang="0">
+                <a:pos x="connsiteX6" y="connsiteY6"/>
+              </a:cxn>
+            </a:cxnLst>
+            <a:rect l="l" t="t" r="r" b="b"/>
+            <a:pathLst>
+              <a:path w="6172782" h="6858000">
+                <a:moveTo>
+                  <a:pt x="6172782" y="0"/>
+                </a:moveTo>
+                <a:lnTo>
+                  <a:pt x="69075" y="0"/>
+                </a:lnTo>
+                <a:lnTo>
+                  <a:pt x="35131" y="267128"/>
+                </a:lnTo>
+                <a:cubicBezTo>
+                  <a:pt x="11901" y="495874"/>
+                  <a:pt x="0" y="727970"/>
+                  <a:pt x="0" y="962845"/>
+                </a:cubicBezTo>
+                <a:cubicBezTo>
+                  <a:pt x="0" y="3429034"/>
+                  <a:pt x="1312002" y="5588789"/>
+                  <a:pt x="3276103" y="6782205"/>
+                </a:cubicBezTo>
+                <a:lnTo>
+                  <a:pt x="3407923" y="6858000"/>
+                </a:lnTo>
+                <a:lnTo>
+                  <a:pt x="6172782" y="6858000"/>
+                </a:lnTo>
+                <a:close/>
+              </a:path>
+            </a:pathLst>
+          </a:custGeom>
+          <a:solidFill>
+            <a:schemeClr val="bg1">
+              <a:alpha val="80000"/>
+            </a:schemeClr>
+          </a:solidFill>
+          <a:ln>
+            <a:noFill/>
+          </a:ln>
+        </p:spPr>
+        <p:style>
+          <a:lnRef idx="2">
+            <a:schemeClr val="accent1">
+              <a:shade val="50000"/>
+            </a:schemeClr>
+          </a:lnRef>
+          <a:fillRef idx="1">
+            <a:schemeClr val="accent1"/>
+          </a:fillRef>
+          <a:effectRef idx="0">
+            <a:schemeClr val="accent1"/>
+          </a:effectRef>
+          <a:fontRef idx="minor">
+            <a:schemeClr val="lt1"/>
+          </a:fontRef>
+        </p:style>
+        <p:txBody>
+          <a:bodyPr wrap="square" rtlCol="0" anchor="ctr">
+            <a:noAutofit/>
+          </a:bodyPr>
+          <a:lstStyle/>
+          <a:p>
+            <a:pPr marL="0" marR="0" lvl="0" indent="0" algn="ctr" defTabSz="914400" rtl="0" eaLnBrk="1" fontAlgn="auto" latinLnBrk="0" hangingPunct="1">
+              <a:lnSpc>
+                <a:spcPct val="100000"/>
+              </a:lnSpc>
+              <a:spcBef>
+                <a:spcPts val="0"/>
+              </a:spcBef>
+              <a:spcAft>
+                <a:spcPts val="0"/>
+              </a:spcAft>
+              <a:buClrTx/>
+              <a:buSzTx/>
+              <a:buFontTx/>
+              <a:buNone/>
+              <a:tabLst/>
+              <a:defRPr/>
+            </a:pPr>
+            <a:endParaRPr kumimoji="0" lang="en-US" sz="1800" b="0" i="0" u="none" strike="noStrike" kern="1200" cap="none" spc="0" normalizeH="0" baseline="0" noProof="0">
+              <a:ln>
+                <a:noFill/>
+              </a:ln>
+              <a:solidFill>
+                <a:prstClr val="white"/>
+              </a:solidFill>
+              <a:effectLst/>
+              <a:uLnTx/>
+              <a:uFillTx/>
+              <a:latin typeface="Calibri" panose="020F0502020204030204"/>
+              <a:ea typeface="+mn-ea"/>
+              <a:cs typeface="+mn-cs"/>
+            </a:endParaRPr>
+          </a:p>
+        </p:txBody>
+      </p:sp>
+      <p:sp>
+        <p:nvSpPr>
+          <p:cNvPr id="32" name="Freeform: Shape 31">
+            <a:extLst>
+              <a:ext uri="{FF2B5EF4-FFF2-40B4-BE49-F238E27FC236}">
+                <a16:creationId xmlns:a16="http://schemas.microsoft.com/office/drawing/2014/main" id="{70B66945-4967-4040-926D-DCA44313CDAB}"/>
+              </a:ext>
+              <a:ext uri="{C183D7F6-B498-43B3-948B-1728B52AA6E4}">
+                <adec:decorative xmlns:adec="http://schemas.microsoft.com/office/drawing/2017/decorative" val="1"/>
+              </a:ext>
+            </a:extLst>
+          </p:cNvPr>
+          <p:cNvSpPr>
+            <a:spLocks noGrp="1" noRot="1" noChangeAspect="1" noMove="1" noResize="1" noEditPoints="1" noAdjustHandles="1" noChangeArrowheads="1" noChangeShapeType="1" noTextEdit="1"/>
+          </p:cNvSpPr>
+          <p:nvPr>
+            <p:extLst>
+              <p:ext uri="{386F3935-93C4-4BCD-93E2-E3B085C9AB24}">
+                <p16:designElem xmlns:p16="http://schemas.microsoft.com/office/powerpoint/2015/main" val="1"/>
+              </p:ext>
+            </p:extLst>
+          </p:nvPr>
+        </p:nvSpPr>
+        <p:spPr>
+          <a:xfrm>
+            <a:off x="0" y="0"/>
+            <a:ext cx="6024154" cy="6858000"/>
+          </a:xfrm>
+          <a:custGeom>
+            <a:avLst/>
+            <a:gdLst>
+              <a:gd name="connsiteX0" fmla="*/ 0 w 6024154"/>
+              <a:gd name="connsiteY0" fmla="*/ 0 h 6858000"/>
+              <a:gd name="connsiteX1" fmla="*/ 5953780 w 6024154"/>
+              <a:gd name="connsiteY1" fmla="*/ 0 h 6858000"/>
+              <a:gd name="connsiteX2" fmla="*/ 5989880 w 6024154"/>
+              <a:gd name="connsiteY2" fmla="*/ 284091 h 6858000"/>
+              <a:gd name="connsiteX3" fmla="*/ 6024154 w 6024154"/>
+              <a:gd name="connsiteY3" fmla="*/ 962844 h 6858000"/>
+              <a:gd name="connsiteX4" fmla="*/ 2549934 w 6024154"/>
+              <a:gd name="connsiteY4" fmla="*/ 6800152 h 6858000"/>
+              <a:gd name="connsiteX5" fmla="*/ 2436987 w 6024154"/>
+              <a:gd name="connsiteY5" fmla="*/ 6858000 h 6858000"/>
+              <a:gd name="connsiteX6" fmla="*/ 0 w 6024154"/>
+              <a:gd name="connsiteY6" fmla="*/ 6858000 h 6858000"/>
+            </a:gdLst>
+            <a:ahLst/>
+            <a:cxnLst>
+              <a:cxn ang="0">
+                <a:pos x="connsiteX0" y="connsiteY0"/>
+              </a:cxn>
+              <a:cxn ang="0">
+                <a:pos x="connsiteX1" y="connsiteY1"/>
+              </a:cxn>
+              <a:cxn ang="0">
+                <a:pos x="connsiteX2" y="connsiteY2"/>
+              </a:cxn>
+              <a:cxn ang="0">
+                <a:pos x="connsiteX3" y="connsiteY3"/>
+              </a:cxn>
+              <a:cxn ang="0">
+                <a:pos x="connsiteX4" y="connsiteY4"/>
+              </a:cxn>
+              <a:cxn ang="0">
+                <a:pos x="connsiteX5" y="connsiteY5"/>
+              </a:cxn>
+              <a:cxn ang="0">
+                <a:pos x="connsiteX6" y="connsiteY6"/>
+              </a:cxn>
+            </a:cxnLst>
+            <a:rect l="l" t="t" r="r" b="b"/>
+            <a:pathLst>
+              <a:path w="6024154" h="6858000">
+                <a:moveTo>
+                  <a:pt x="0" y="0"/>
+                </a:moveTo>
+                <a:lnTo>
+                  <a:pt x="5953780" y="0"/>
+                </a:lnTo>
+                <a:lnTo>
+                  <a:pt x="5989880" y="284091"/>
+                </a:lnTo>
+                <a:cubicBezTo>
+                  <a:pt x="6012544" y="507260"/>
+                  <a:pt x="6024154" y="733696"/>
+                  <a:pt x="6024154" y="962844"/>
+                </a:cubicBezTo>
+                <a:cubicBezTo>
+                  <a:pt x="6024154" y="3483472"/>
+                  <a:pt x="4619336" y="5675986"/>
+                  <a:pt x="2549934" y="6800152"/>
+                </a:cubicBezTo>
+                <a:lnTo>
+                  <a:pt x="2436987" y="6858000"/>
+                </a:lnTo>
+                <a:lnTo>
+                  <a:pt x="0" y="6858000"/>
+                </a:lnTo>
+                <a:close/>
+              </a:path>
+            </a:pathLst>
+          </a:custGeom>
+          <a:solidFill>
+            <a:schemeClr val="bg1"/>
+          </a:solidFill>
+          <a:ln>
+            <a:noFill/>
+          </a:ln>
+        </p:spPr>
+        <p:style>
+          <a:lnRef idx="2">
+            <a:schemeClr val="accent1">
+              <a:shade val="50000"/>
+            </a:schemeClr>
+          </a:lnRef>
+          <a:fillRef idx="1">
+            <a:schemeClr val="accent1"/>
+          </a:fillRef>
+          <a:effectRef idx="0">
+            <a:schemeClr val="accent1"/>
+          </a:effectRef>
+          <a:fontRef idx="minor">
+            <a:schemeClr val="lt1"/>
+          </a:fontRef>
+        </p:style>
+        <p:txBody>
+          <a:bodyPr wrap="square" rtlCol="0" anchor="ctr">
+            <a:noAutofit/>
+          </a:bodyPr>
+          <a:lstStyle/>
+          <a:p>
+            <a:pPr marL="0" marR="0" lvl="0" indent="0" algn="ctr" defTabSz="914400" rtl="0" eaLnBrk="1" fontAlgn="auto" latinLnBrk="0" hangingPunct="1">
+              <a:lnSpc>
+                <a:spcPct val="100000"/>
+              </a:lnSpc>
+              <a:spcBef>
+                <a:spcPts val="0"/>
+              </a:spcBef>
+              <a:spcAft>
+                <a:spcPts val="0"/>
+              </a:spcAft>
+              <a:buClrTx/>
+              <a:buSzTx/>
+              <a:buFontTx/>
+              <a:buNone/>
+              <a:tabLst/>
+              <a:defRPr/>
+            </a:pPr>
+            <a:endParaRPr kumimoji="0" lang="en-US" sz="1800" b="0" i="0" u="none" strike="noStrike" kern="1200" cap="none" spc="0" normalizeH="0" baseline="0" noProof="0">
+              <a:ln>
+                <a:noFill/>
+              </a:ln>
+              <a:solidFill>
+                <a:prstClr val="white"/>
+              </a:solidFill>
+              <a:effectLst/>
+              <a:uLnTx/>
+              <a:uFillTx/>
+              <a:latin typeface="Calibri" panose="020F0502020204030204"/>
+              <a:ea typeface="+mn-ea"/>
+              <a:cs typeface="+mn-cs"/>
+            </a:endParaRPr>
+          </a:p>
+        </p:txBody>
+      </p:sp>
+      <p:pic>
+        <p:nvPicPr>
+          <p:cNvPr id="7" name="Graphic 6">
+            <a:extLst>
+              <a:ext uri="{FF2B5EF4-FFF2-40B4-BE49-F238E27FC236}">
+                <a16:creationId xmlns:a16="http://schemas.microsoft.com/office/drawing/2014/main" id="{3494B20F-FF32-426C-9E4C-11D9E75DACD0}"/>
+              </a:ext>
+            </a:extLst>
+          </p:cNvPr>
+          <p:cNvPicPr>
+            <a:picLocks noChangeAspect="1"/>
+          </p:cNvPicPr>
+          <p:nvPr/>
+        </p:nvPicPr>
+        <p:blipFill>
+          <a:blip r:embed="rId2">
+            <a:extLst>
+              <a:ext uri="{28A0092B-C50C-407E-A947-70E740481C1C}">
+                <a14:useLocalDpi xmlns:a14="http://schemas.microsoft.com/office/drawing/2010/main" val="0"/>
+              </a:ext>
+              <a:ext uri="{96DAC541-7B7A-43D3-8B79-37D633B846F1}">
+                <asvg:svgBlip xmlns:asvg="http://schemas.microsoft.com/office/drawing/2016/SVG/main" r:embed="rId3"/>
+              </a:ext>
+            </a:extLst>
+          </a:blip>
+          <a:stretch>
+            <a:fillRect/>
+          </a:stretch>
+        </p:blipFill>
+        <p:spPr>
+          <a:xfrm>
+            <a:off x="419382" y="720993"/>
+            <a:ext cx="4047843" cy="4047843"/>
+          </a:xfrm>
+          <a:prstGeom prst="rect">
+            <a:avLst/>
+          </a:prstGeom>
+        </p:spPr>
+      </p:pic>
+      <p:pic>
+        <p:nvPicPr>
+          <p:cNvPr id="9" name="Image 8">
+            <a:extLst>
+              <a:ext uri="{FF2B5EF4-FFF2-40B4-BE49-F238E27FC236}">
+                <a16:creationId xmlns:a16="http://schemas.microsoft.com/office/drawing/2014/main" id="{4A026D5A-D447-410A-842E-F80CBAFEA002}"/>
+              </a:ext>
+            </a:extLst>
+          </p:cNvPr>
+          <p:cNvPicPr>
+            <a:picLocks noChangeAspect="1"/>
+          </p:cNvPicPr>
+          <p:nvPr/>
+        </p:nvPicPr>
+        <p:blipFill>
+          <a:blip r:embed="rId4">
+            <a:extLst>
+              <a:ext uri="{28A0092B-C50C-407E-A947-70E740481C1C}">
+                <a14:useLocalDpi xmlns:a14="http://schemas.microsoft.com/office/drawing/2010/main" val="0"/>
+              </a:ext>
+            </a:extLst>
+          </a:blip>
+          <a:stretch>
+            <a:fillRect/>
+          </a:stretch>
+        </p:blipFill>
+        <p:spPr>
+          <a:xfrm>
+            <a:off x="7993930" y="331517"/>
+            <a:ext cx="3612938" cy="1163366"/>
+          </a:xfrm>
+          <a:prstGeom prst="rect">
+            <a:avLst/>
+          </a:prstGeom>
+        </p:spPr>
+      </p:pic>
+    </p:spTree>
+    <p:extLst>
+      <p:ext uri="{BB962C8B-B14F-4D97-AF65-F5344CB8AC3E}">
+        <p14:creationId xmlns:p14="http://schemas.microsoft.com/office/powerpoint/2010/main" val="1789629426"/>
       </p:ext>
     </p:extLst>
   </p:cSld>

--- a/Partie personnelle Lucas MINAUD/revue/revue 3.pptx
+++ b/Partie personnelle Lucas MINAUD/revue/revue 3.pptx
@@ -3905,10 +3905,10 @@
       </p:sp>
       <p:pic>
         <p:nvPicPr>
-          <p:cNvPr id="8" name="Image 7">
-            <a:extLst>
-              <a:ext uri="{FF2B5EF4-FFF2-40B4-BE49-F238E27FC236}">
-                <a16:creationId xmlns:a16="http://schemas.microsoft.com/office/drawing/2014/main" id="{B486218C-EBC3-4997-A6BB-48FDF79033CF}"/>
+          <p:cNvPr id="5" name="Image 4">
+            <a:extLst>
+              <a:ext uri="{FF2B5EF4-FFF2-40B4-BE49-F238E27FC236}">
+                <a16:creationId xmlns:a16="http://schemas.microsoft.com/office/drawing/2014/main" id="{9D3E4209-B1B5-4834-BE8B-12F3DE761E1F}"/>
               </a:ext>
             </a:extLst>
           </p:cNvPr>
@@ -3918,37 +3918,7 @@
           <p:nvPr/>
         </p:nvPicPr>
         <p:blipFill>
-          <a:blip r:embed="rId2"/>
-          <a:stretch>
-            <a:fillRect/>
-          </a:stretch>
-        </p:blipFill>
-        <p:spPr>
-          <a:xfrm>
-            <a:off x="45916" y="1412668"/>
-            <a:ext cx="4981846" cy="3549197"/>
-          </a:xfrm>
-          <a:prstGeom prst="rect">
-            <a:avLst/>
-          </a:prstGeom>
-        </p:spPr>
-      </p:pic>
-      <p:pic>
-        <p:nvPicPr>
-          <p:cNvPr id="5" name="Image 4">
-            <a:extLst>
-              <a:ext uri="{FF2B5EF4-FFF2-40B4-BE49-F238E27FC236}">
-                <a16:creationId xmlns:a16="http://schemas.microsoft.com/office/drawing/2014/main" id="{9D3E4209-B1B5-4834-BE8B-12F3DE761E1F}"/>
-              </a:ext>
-            </a:extLst>
-          </p:cNvPr>
-          <p:cNvPicPr>
-            <a:picLocks noChangeAspect="1"/>
-          </p:cNvPicPr>
-          <p:nvPr/>
-        </p:nvPicPr>
-        <p:blipFill>
-          <a:blip r:embed="rId3">
+          <a:blip r:embed="rId2">
             <a:extLst>
               <a:ext uri="{28A0092B-C50C-407E-A947-70E740481C1C}">
                 <a14:useLocalDpi xmlns:a14="http://schemas.microsoft.com/office/drawing/2010/main" val="0"/>
@@ -3963,6 +3933,36 @@
           <a:xfrm>
             <a:off x="7748832" y="331517"/>
             <a:ext cx="3858035" cy="1242287"/>
+          </a:xfrm>
+          <a:prstGeom prst="rect">
+            <a:avLst/>
+          </a:prstGeom>
+        </p:spPr>
+      </p:pic>
+      <p:pic>
+        <p:nvPicPr>
+          <p:cNvPr id="13" name="Image 12">
+            <a:extLst>
+              <a:ext uri="{FF2B5EF4-FFF2-40B4-BE49-F238E27FC236}">
+                <a16:creationId xmlns:a16="http://schemas.microsoft.com/office/drawing/2014/main" id="{0B31DF28-6CFE-49F9-9C46-6C48EBF32320}"/>
+              </a:ext>
+            </a:extLst>
+          </p:cNvPr>
+          <p:cNvPicPr>
+            <a:picLocks noChangeAspect="1"/>
+          </p:cNvPicPr>
+          <p:nvPr/>
+        </p:nvPicPr>
+        <p:blipFill>
+          <a:blip r:embed="rId3"/>
+          <a:stretch>
+            <a:fillRect/>
+          </a:stretch>
+        </p:blipFill>
+        <p:spPr>
+          <a:xfrm>
+            <a:off x="45916" y="1412668"/>
+            <a:ext cx="4981846" cy="3549197"/>
           </a:xfrm>
           <a:prstGeom prst="rect">
             <a:avLst/>
@@ -5112,6 +5112,41 @@
           </a:prstGeom>
         </p:spPr>
       </p:pic>
+      <p:pic>
+        <p:nvPicPr>
+          <p:cNvPr id="5" name="Image 4">
+            <a:extLst>
+              <a:ext uri="{FF2B5EF4-FFF2-40B4-BE49-F238E27FC236}">
+                <a16:creationId xmlns:a16="http://schemas.microsoft.com/office/drawing/2014/main" id="{F133CB56-A16C-4DEB-B93B-3ECE82A8049B}"/>
+              </a:ext>
+            </a:extLst>
+          </p:cNvPr>
+          <p:cNvPicPr>
+            <a:picLocks noChangeAspect="1"/>
+          </p:cNvPicPr>
+          <p:nvPr/>
+        </p:nvPicPr>
+        <p:blipFill rotWithShape="1">
+          <a:blip r:embed="rId3">
+            <a:extLst>
+              <a:ext uri="{28A0092B-C50C-407E-A947-70E740481C1C}">
+                <a14:useLocalDpi xmlns:a14="http://schemas.microsoft.com/office/drawing/2010/main" val="0"/>
+              </a:ext>
+            </a:extLst>
+          </a:blip>
+          <a:srcRect r="972" b="2095"/>
+          <a:stretch/>
+        </p:blipFill>
+        <p:spPr>
+          <a:xfrm>
+            <a:off x="94841" y="594735"/>
+            <a:ext cx="5089902" cy="3524778"/>
+          </a:xfrm>
+          <a:prstGeom prst="rect">
+            <a:avLst/>
+          </a:prstGeom>
+        </p:spPr>
+      </p:pic>
     </p:spTree>
     <p:extLst>
       <p:ext uri="{BB962C8B-B14F-4D97-AF65-F5344CB8AC3E}">
@@ -5251,7 +5286,7 @@
                   <a:schemeClr val="bg1"/>
                 </a:solidFill>
               </a:rPr>
-              <a:t>Revue de Projet n°3</a:t>
+              <a:t>Test unitaire</a:t>
             </a:r>
           </a:p>
         </p:txBody>
@@ -5627,10 +5662,10 @@
       </p:sp>
       <p:pic>
         <p:nvPicPr>
-          <p:cNvPr id="7" name="Graphic 6">
-            <a:extLst>
-              <a:ext uri="{FF2B5EF4-FFF2-40B4-BE49-F238E27FC236}">
-                <a16:creationId xmlns:a16="http://schemas.microsoft.com/office/drawing/2014/main" id="{3494B20F-FF32-426C-9E4C-11D9E75DACD0}"/>
+          <p:cNvPr id="9" name="Image 8">
+            <a:extLst>
+              <a:ext uri="{FF2B5EF4-FFF2-40B4-BE49-F238E27FC236}">
+                <a16:creationId xmlns:a16="http://schemas.microsoft.com/office/drawing/2014/main" id="{139CE736-C9E0-4731-B1AD-D9D57CBC032C}"/>
               </a:ext>
             </a:extLst>
           </p:cNvPr>
@@ -5641,45 +5676,6 @@
         </p:nvPicPr>
         <p:blipFill>
           <a:blip r:embed="rId2">
-            <a:extLst>
-              <a:ext uri="{28A0092B-C50C-407E-A947-70E740481C1C}">
-                <a14:useLocalDpi xmlns:a14="http://schemas.microsoft.com/office/drawing/2010/main" val="0"/>
-              </a:ext>
-              <a:ext uri="{96DAC541-7B7A-43D3-8B79-37D633B846F1}">
-                <asvg:svgBlip xmlns:asvg="http://schemas.microsoft.com/office/drawing/2016/SVG/main" r:embed="rId3"/>
-              </a:ext>
-            </a:extLst>
-          </a:blip>
-          <a:stretch>
-            <a:fillRect/>
-          </a:stretch>
-        </p:blipFill>
-        <p:spPr>
-          <a:xfrm>
-            <a:off x="419382" y="720993"/>
-            <a:ext cx="4047843" cy="4047843"/>
-          </a:xfrm>
-          <a:prstGeom prst="rect">
-            <a:avLst/>
-          </a:prstGeom>
-        </p:spPr>
-      </p:pic>
-      <p:pic>
-        <p:nvPicPr>
-          <p:cNvPr id="9" name="Image 8">
-            <a:extLst>
-              <a:ext uri="{FF2B5EF4-FFF2-40B4-BE49-F238E27FC236}">
-                <a16:creationId xmlns:a16="http://schemas.microsoft.com/office/drawing/2014/main" id="{139CE736-C9E0-4731-B1AD-D9D57CBC032C}"/>
-              </a:ext>
-            </a:extLst>
-          </p:cNvPr>
-          <p:cNvPicPr>
-            <a:picLocks noChangeAspect="1"/>
-          </p:cNvPicPr>
-          <p:nvPr/>
-        </p:nvPicPr>
-        <p:blipFill>
-          <a:blip r:embed="rId4">
             <a:extLst>
               <a:ext uri="{28A0092B-C50C-407E-A947-70E740481C1C}">
                 <a14:useLocalDpi xmlns:a14="http://schemas.microsoft.com/office/drawing/2010/main" val="0"/>
@@ -5700,6 +5696,117 @@
           </a:prstGeom>
         </p:spPr>
       </p:pic>
+      <p:sp>
+        <p:nvSpPr>
+          <p:cNvPr id="4" name="ZoneTexte 3">
+            <a:extLst>
+              <a:ext uri="{FF2B5EF4-FFF2-40B4-BE49-F238E27FC236}">
+                <a16:creationId xmlns:a16="http://schemas.microsoft.com/office/drawing/2014/main" id="{7ADA4DE7-C0AA-4188-A2AB-BB82AD3062D6}"/>
+              </a:ext>
+            </a:extLst>
+          </p:cNvPr>
+          <p:cNvSpPr txBox="1"/>
+          <p:nvPr/>
+        </p:nvSpPr>
+        <p:spPr>
+          <a:xfrm>
+            <a:off x="933923" y="744718"/>
+            <a:ext cx="3044423" cy="584775"/>
+          </a:xfrm>
+          <a:prstGeom prst="rect">
+            <a:avLst/>
+          </a:prstGeom>
+          <a:noFill/>
+        </p:spPr>
+        <p:txBody>
+          <a:bodyPr wrap="none" rtlCol="0">
+            <a:spAutoFit/>
+          </a:bodyPr>
+          <a:lstStyle/>
+          <a:p>
+            <a:r>
+              <a:rPr lang="fr-FR" sz="3200" dirty="0"/>
+              <a:t>Base de Données</a:t>
+            </a:r>
+          </a:p>
+        </p:txBody>
+      </p:sp>
+      <p:cxnSp>
+        <p:nvCxnSpPr>
+          <p:cNvPr id="6" name="Connecteur droit avec flèche 5">
+            <a:extLst>
+              <a:ext uri="{FF2B5EF4-FFF2-40B4-BE49-F238E27FC236}">
+                <a16:creationId xmlns:a16="http://schemas.microsoft.com/office/drawing/2014/main" id="{D6C637BB-2F12-4A5E-82BB-725B50444A60}"/>
+              </a:ext>
+            </a:extLst>
+          </p:cNvPr>
+          <p:cNvCxnSpPr>
+            <a:cxnSpLocks/>
+          </p:cNvCxnSpPr>
+          <p:nvPr/>
+        </p:nvCxnSpPr>
+        <p:spPr>
+          <a:xfrm>
+            <a:off x="2247492" y="1324025"/>
+            <a:ext cx="0" cy="1231883"/>
+          </a:xfrm>
+          <a:prstGeom prst="straightConnector1">
+            <a:avLst/>
+          </a:prstGeom>
+          <a:ln w="76200">
+            <a:tailEnd type="triangle"/>
+          </a:ln>
+        </p:spPr>
+        <p:style>
+          <a:lnRef idx="1">
+            <a:schemeClr val="accent1"/>
+          </a:lnRef>
+          <a:fillRef idx="0">
+            <a:schemeClr val="accent1"/>
+          </a:fillRef>
+          <a:effectRef idx="0">
+            <a:schemeClr val="accent1"/>
+          </a:effectRef>
+          <a:fontRef idx="minor">
+            <a:schemeClr val="tx1"/>
+          </a:fontRef>
+        </p:style>
+      </p:cxnSp>
+      <p:sp>
+        <p:nvSpPr>
+          <p:cNvPr id="11" name="ZoneTexte 10">
+            <a:extLst>
+              <a:ext uri="{FF2B5EF4-FFF2-40B4-BE49-F238E27FC236}">
+                <a16:creationId xmlns:a16="http://schemas.microsoft.com/office/drawing/2014/main" id="{F5A7BC34-4BE5-443D-ADEC-208C1FF96BEC}"/>
+              </a:ext>
+            </a:extLst>
+          </p:cNvPr>
+          <p:cNvSpPr txBox="1"/>
+          <p:nvPr/>
+        </p:nvSpPr>
+        <p:spPr>
+          <a:xfrm>
+            <a:off x="1417740" y="2555908"/>
+            <a:ext cx="1635854" cy="584775"/>
+          </a:xfrm>
+          <a:prstGeom prst="rect">
+            <a:avLst/>
+          </a:prstGeom>
+          <a:noFill/>
+        </p:spPr>
+        <p:txBody>
+          <a:bodyPr wrap="square" rtlCol="0">
+            <a:spAutoFit/>
+          </a:bodyPr>
+          <a:lstStyle/>
+          <a:p>
+            <a:r>
+              <a:rPr lang="fr-FR" sz="3200" dirty="0"/>
+              <a:t>Site web</a:t>
+            </a:r>
+          </a:p>
+        </p:txBody>
+      </p:sp>
     </p:spTree>
     <p:extLst>
       <p:ext uri="{BB962C8B-B14F-4D97-AF65-F5344CB8AC3E}">
@@ -5719,7 +5826,10 @@
     <p:bg>
       <p:bgPr>
         <a:solidFill>
-          <a:schemeClr val="bg1"/>
+          <a:schemeClr val="bg1">
+            <a:tint val="95000"/>
+            <a:satMod val="170000"/>
+          </a:schemeClr>
         </a:solidFill>
         <a:effectLst/>
       </p:bgPr>
@@ -5740,10 +5850,10 @@
       </p:grpSpPr>
       <p:sp>
         <p:nvSpPr>
-          <p:cNvPr id="28" name="Rectangle 27">
-            <a:extLst>
-              <a:ext uri="{FF2B5EF4-FFF2-40B4-BE49-F238E27FC236}">
-                <a16:creationId xmlns:a16="http://schemas.microsoft.com/office/drawing/2014/main" id="{C0B27210-D0CA-4654-B3E3-9ABB4F178EA1}"/>
+          <p:cNvPr id="37" name="Rectangle 36">
+            <a:extLst>
+              <a:ext uri="{FF2B5EF4-FFF2-40B4-BE49-F238E27FC236}">
+                <a16:creationId xmlns:a16="http://schemas.microsoft.com/office/drawing/2014/main" id="{482BD70C-C4A0-46C4-9518-A731098B419A}"/>
               </a:ext>
               <a:ext uri="{C183D7F6-B498-43B3-948B-1728B52AA6E4}">
                 <adec:decorative xmlns:adec="http://schemas.microsoft.com/office/drawing/2017/decorative" val="1"/>
@@ -5822,24 +5932,24 @@
         </p:nvSpPr>
         <p:spPr>
           <a:xfrm>
-            <a:off x="6746628" y="1783959"/>
-            <a:ext cx="4645250" cy="2889114"/>
+            <a:off x="6072445" y="3640254"/>
+            <a:ext cx="5319433" cy="2076333"/>
           </a:xfrm>
         </p:spPr>
         <p:txBody>
-          <a:bodyPr anchor="b">
+          <a:bodyPr anchor="t">
             <a:normAutofit/>
           </a:bodyPr>
           <a:lstStyle/>
           <a:p>
             <a:pPr algn="l"/>
             <a:r>
-              <a:rPr lang="fr-FR" dirty="0">
+              <a:rPr lang="fr-FR" sz="4800">
                 <a:solidFill>
                   <a:schemeClr val="bg1"/>
                 </a:solidFill>
               </a:rPr>
-              <a:t>Revue de Projet n°3</a:t>
+              <a:t>Merci pour votre attention</a:t>
             </a:r>
           </a:p>
         </p:txBody>
@@ -5862,12 +5972,12 @@
         </p:nvSpPr>
         <p:spPr>
           <a:xfrm>
-            <a:off x="6746627" y="4750893"/>
-            <a:ext cx="4645250" cy="1147863"/>
+            <a:off x="6072446" y="2668075"/>
+            <a:ext cx="5319431" cy="972180"/>
           </a:xfrm>
         </p:spPr>
         <p:txBody>
-          <a:bodyPr anchor="t">
+          <a:bodyPr anchor="b">
             <a:normAutofit/>
           </a:bodyPr>
           <a:lstStyle/>
@@ -5883,10 +5993,10 @@
       </p:sp>
       <p:sp>
         <p:nvSpPr>
-          <p:cNvPr id="30" name="Freeform: Shape 29">
-            <a:extLst>
-              <a:ext uri="{FF2B5EF4-FFF2-40B4-BE49-F238E27FC236}">
-                <a16:creationId xmlns:a16="http://schemas.microsoft.com/office/drawing/2014/main" id="{1DB7C82F-AB7E-4F0C-B829-FA1B9C415180}"/>
+          <p:cNvPr id="39" name="Freeform: Shape 38">
+            <a:extLst>
+              <a:ext uri="{FF2B5EF4-FFF2-40B4-BE49-F238E27FC236}">
+                <a16:creationId xmlns:a16="http://schemas.microsoft.com/office/drawing/2014/main" id="{39B74A45-BDDD-4892-B8C0-B290C0944FCB}"/>
               </a:ext>
               <a:ext uri="{C183D7F6-B498-43B3-948B-1728B52AA6E4}">
                 <adec:decorative xmlns:adec="http://schemas.microsoft.com/office/drawing/2017/decorative" val="1"/>
@@ -5905,27 +6015,33 @@
           </p:nvPr>
         </p:nvSpPr>
         <p:spPr>
-          <a:xfrm flipH="1">
+          <a:xfrm flipV="1">
             <a:off x="0" y="0"/>
-            <a:ext cx="6172782" cy="6858000"/>
+            <a:ext cx="5379352" cy="6374535"/>
           </a:xfrm>
           <a:custGeom>
             <a:avLst/>
             <a:gdLst>
-              <a:gd name="connsiteX0" fmla="*/ 6172782 w 6172782"/>
-              <a:gd name="connsiteY0" fmla="*/ 0 h 6858000"/>
-              <a:gd name="connsiteX1" fmla="*/ 69075 w 6172782"/>
-              <a:gd name="connsiteY1" fmla="*/ 0 h 6858000"/>
-              <a:gd name="connsiteX2" fmla="*/ 35131 w 6172782"/>
-              <a:gd name="connsiteY2" fmla="*/ 267128 h 6858000"/>
-              <a:gd name="connsiteX3" fmla="*/ 0 w 6172782"/>
-              <a:gd name="connsiteY3" fmla="*/ 962845 h 6858000"/>
-              <a:gd name="connsiteX4" fmla="*/ 3276103 w 6172782"/>
-              <a:gd name="connsiteY4" fmla="*/ 6782205 h 6858000"/>
-              <a:gd name="connsiteX5" fmla="*/ 3407923 w 6172782"/>
-              <a:gd name="connsiteY5" fmla="*/ 6858000 h 6858000"/>
-              <a:gd name="connsiteX6" fmla="*/ 6172782 w 6172782"/>
-              <a:gd name="connsiteY6" fmla="*/ 6858000 h 6858000"/>
+              <a:gd name="connsiteX0" fmla="*/ 609861 w 5379352"/>
+              <a:gd name="connsiteY0" fmla="*/ 6374535 h 6374535"/>
+              <a:gd name="connsiteX1" fmla="*/ 3449004 w 5379352"/>
+              <a:gd name="connsiteY1" fmla="*/ 6374535 h 6374535"/>
+              <a:gd name="connsiteX2" fmla="*/ 3628245 w 5379352"/>
+              <a:gd name="connsiteY2" fmla="*/ 6288190 h 6374535"/>
+              <a:gd name="connsiteX3" fmla="*/ 5379352 w 5379352"/>
+              <a:gd name="connsiteY3" fmla="*/ 3346018 h 6374535"/>
+              <a:gd name="connsiteX4" fmla="*/ 2033334 w 5379352"/>
+              <a:gd name="connsiteY4" fmla="*/ 0 h 6374535"/>
+              <a:gd name="connsiteX5" fmla="*/ 129310 w 5379352"/>
+              <a:gd name="connsiteY5" fmla="*/ 594192 h 6374535"/>
+              <a:gd name="connsiteX6" fmla="*/ 0 w 5379352"/>
+              <a:gd name="connsiteY6" fmla="*/ 692103 h 6374535"/>
+              <a:gd name="connsiteX7" fmla="*/ 0 w 5379352"/>
+              <a:gd name="connsiteY7" fmla="*/ 5999934 h 6374535"/>
+              <a:gd name="connsiteX8" fmla="*/ 129311 w 5379352"/>
+              <a:gd name="connsiteY8" fmla="*/ 6097845 h 6374535"/>
+              <a:gd name="connsiteX9" fmla="*/ 367831 w 5379352"/>
+              <a:gd name="connsiteY9" fmla="*/ 6248727 h 6374535"/>
             </a:gdLst>
             <a:ahLst/>
             <a:cxnLst>
@@ -5950,35 +6066,57 @@
               <a:cxn ang="0">
                 <a:pos x="connsiteX6" y="connsiteY6"/>
               </a:cxn>
+              <a:cxn ang="0">
+                <a:pos x="connsiteX7" y="connsiteY7"/>
+              </a:cxn>
+              <a:cxn ang="0">
+                <a:pos x="connsiteX8" y="connsiteY8"/>
+              </a:cxn>
+              <a:cxn ang="0">
+                <a:pos x="connsiteX9" y="connsiteY9"/>
+              </a:cxn>
             </a:cxnLst>
             <a:rect l="l" t="t" r="r" b="b"/>
             <a:pathLst>
-              <a:path w="6172782" h="6858000">
+              <a:path w="5379352" h="6374535">
                 <a:moveTo>
-                  <a:pt x="6172782" y="0"/>
+                  <a:pt x="609861" y="6374535"/>
                 </a:moveTo>
                 <a:lnTo>
-                  <a:pt x="69075" y="0"/>
+                  <a:pt x="3449004" y="6374535"/>
                 </a:lnTo>
                 <a:lnTo>
-                  <a:pt x="35131" y="267128"/>
+                  <a:pt x="3628245" y="6288190"/>
                 </a:lnTo>
                 <a:cubicBezTo>
-                  <a:pt x="11901" y="495874"/>
-                  <a:pt x="0" y="727970"/>
-                  <a:pt x="0" y="962845"/>
+                  <a:pt x="4671283" y="5721578"/>
+                  <a:pt x="5379352" y="4616487"/>
+                  <a:pt x="5379352" y="3346018"/>
                 </a:cubicBezTo>
                 <a:cubicBezTo>
-                  <a:pt x="0" y="3429034"/>
-                  <a:pt x="1312002" y="5588789"/>
-                  <a:pt x="3276103" y="6782205"/>
+                  <a:pt x="5379352" y="1498063"/>
+                  <a:pt x="3881289" y="0"/>
+                  <a:pt x="2033334" y="0"/>
+                </a:cubicBezTo>
+                <a:cubicBezTo>
+                  <a:pt x="1325914" y="0"/>
+                  <a:pt x="669769" y="219535"/>
+                  <a:pt x="129310" y="594192"/>
                 </a:cubicBezTo>
                 <a:lnTo>
-                  <a:pt x="3407923" y="6858000"/>
+                  <a:pt x="0" y="692103"/>
                 </a:lnTo>
                 <a:lnTo>
-                  <a:pt x="6172782" y="6858000"/>
+                  <a:pt x="0" y="5999934"/>
                 </a:lnTo>
+                <a:lnTo>
+                  <a:pt x="129311" y="6097845"/>
+                </a:lnTo>
+                <a:cubicBezTo>
+                  <a:pt x="206519" y="6151367"/>
+                  <a:pt x="286089" y="6201724"/>
+                  <a:pt x="367831" y="6248727"/>
+                </a:cubicBezTo>
                 <a:close/>
               </a:path>
             </a:pathLst>
@@ -6050,10 +6188,10 @@
       </p:sp>
       <p:sp>
         <p:nvSpPr>
-          <p:cNvPr id="32" name="Freeform: Shape 31">
-            <a:extLst>
-              <a:ext uri="{FF2B5EF4-FFF2-40B4-BE49-F238E27FC236}">
-                <a16:creationId xmlns:a16="http://schemas.microsoft.com/office/drawing/2014/main" id="{70B66945-4967-4040-926D-DCA44313CDAB}"/>
+          <p:cNvPr id="41" name="Freeform: Shape 40">
+            <a:extLst>
+              <a:ext uri="{FF2B5EF4-FFF2-40B4-BE49-F238E27FC236}">
+                <a16:creationId xmlns:a16="http://schemas.microsoft.com/office/drawing/2014/main" id="{C516C73E-9465-4C9E-9B86-9E58FB326B6B}"/>
               </a:ext>
               <a:ext uri="{C183D7F6-B498-43B3-948B-1728B52AA6E4}">
                 <adec:decorative xmlns:adec="http://schemas.microsoft.com/office/drawing/2017/decorative" val="1"/>
@@ -6073,26 +6211,32 @@
         </p:nvSpPr>
         <p:spPr>
           <a:xfrm>
-            <a:off x="0" y="0"/>
-            <a:ext cx="6024154" cy="6858000"/>
+            <a:off x="5299" y="0"/>
+            <a:ext cx="5210147" cy="6210629"/>
           </a:xfrm>
           <a:custGeom>
             <a:avLst/>
             <a:gdLst>
-              <a:gd name="connsiteX0" fmla="*/ 0 w 6024154"/>
-              <a:gd name="connsiteY0" fmla="*/ 0 h 6858000"/>
-              <a:gd name="connsiteX1" fmla="*/ 5953780 w 6024154"/>
-              <a:gd name="connsiteY1" fmla="*/ 0 h 6858000"/>
-              <a:gd name="connsiteX2" fmla="*/ 5989880 w 6024154"/>
-              <a:gd name="connsiteY2" fmla="*/ 284091 h 6858000"/>
-              <a:gd name="connsiteX3" fmla="*/ 6024154 w 6024154"/>
-              <a:gd name="connsiteY3" fmla="*/ 962844 h 6858000"/>
-              <a:gd name="connsiteX4" fmla="*/ 2549934 w 6024154"/>
-              <a:gd name="connsiteY4" fmla="*/ 6800152 h 6858000"/>
-              <a:gd name="connsiteX5" fmla="*/ 2436987 w 6024154"/>
-              <a:gd name="connsiteY5" fmla="*/ 6858000 h 6858000"/>
-              <a:gd name="connsiteX6" fmla="*/ 0 w 6024154"/>
-              <a:gd name="connsiteY6" fmla="*/ 6858000 h 6858000"/>
+              <a:gd name="connsiteX0" fmla="*/ 1058223 w 5210147"/>
+              <a:gd name="connsiteY0" fmla="*/ 0 h 6210629"/>
+              <a:gd name="connsiteX1" fmla="*/ 3003078 w 5210147"/>
+              <a:gd name="connsiteY1" fmla="*/ 0 h 6210629"/>
+              <a:gd name="connsiteX2" fmla="*/ 3266657 w 5210147"/>
+              <a:gd name="connsiteY2" fmla="*/ 96471 h 6210629"/>
+              <a:gd name="connsiteX3" fmla="*/ 5210147 w 5210147"/>
+              <a:gd name="connsiteY3" fmla="*/ 3028517 h 6210629"/>
+              <a:gd name="connsiteX4" fmla="*/ 2028035 w 5210147"/>
+              <a:gd name="connsiteY4" fmla="*/ 6210629 h 6210629"/>
+              <a:gd name="connsiteX5" fmla="*/ 3916 w 5210147"/>
+              <a:gd name="connsiteY5" fmla="*/ 5483989 h 6210629"/>
+              <a:gd name="connsiteX6" fmla="*/ 0 w 5210147"/>
+              <a:gd name="connsiteY6" fmla="*/ 5480430 h 6210629"/>
+              <a:gd name="connsiteX7" fmla="*/ 0 w 5210147"/>
+              <a:gd name="connsiteY7" fmla="*/ 576603 h 6210629"/>
+              <a:gd name="connsiteX8" fmla="*/ 3916 w 5210147"/>
+              <a:gd name="connsiteY8" fmla="*/ 573044 h 6210629"/>
+              <a:gd name="connsiteX9" fmla="*/ 933918 w 5210147"/>
+              <a:gd name="connsiteY9" fmla="*/ 39494 h 6210629"/>
             </a:gdLst>
             <a:ahLst/>
             <a:cxnLst>
@@ -6117,35 +6261,57 @@
               <a:cxn ang="0">
                 <a:pos x="connsiteX6" y="connsiteY6"/>
               </a:cxn>
+              <a:cxn ang="0">
+                <a:pos x="connsiteX7" y="connsiteY7"/>
+              </a:cxn>
+              <a:cxn ang="0">
+                <a:pos x="connsiteX8" y="connsiteY8"/>
+              </a:cxn>
+              <a:cxn ang="0">
+                <a:pos x="connsiteX9" y="connsiteY9"/>
+              </a:cxn>
             </a:cxnLst>
             <a:rect l="l" t="t" r="r" b="b"/>
             <a:pathLst>
-              <a:path w="6024154" h="6858000">
+              <a:path w="5210147" h="6210629">
                 <a:moveTo>
-                  <a:pt x="0" y="0"/>
+                  <a:pt x="1058223" y="0"/>
                 </a:moveTo>
                 <a:lnTo>
-                  <a:pt x="5953780" y="0"/>
+                  <a:pt x="3003078" y="0"/>
                 </a:lnTo>
                 <a:lnTo>
-                  <a:pt x="5989880" y="284091"/>
+                  <a:pt x="3266657" y="96471"/>
                 </a:lnTo>
                 <a:cubicBezTo>
-                  <a:pt x="6012544" y="507260"/>
-                  <a:pt x="6024154" y="733696"/>
-                  <a:pt x="6024154" y="962844"/>
+                  <a:pt x="4408765" y="579542"/>
+                  <a:pt x="5210147" y="1710443"/>
+                  <a:pt x="5210147" y="3028517"/>
                 </a:cubicBezTo>
                 <a:cubicBezTo>
-                  <a:pt x="6024154" y="3483472"/>
-                  <a:pt x="4619336" y="5675986"/>
-                  <a:pt x="2549934" y="6800152"/>
+                  <a:pt x="5210147" y="4785949"/>
+                  <a:pt x="3785467" y="6210629"/>
+                  <a:pt x="2028035" y="6210629"/>
+                </a:cubicBezTo>
+                <a:cubicBezTo>
+                  <a:pt x="1259159" y="6210629"/>
+                  <a:pt x="553973" y="5937936"/>
+                  <a:pt x="3916" y="5483989"/>
                 </a:cubicBezTo>
                 <a:lnTo>
-                  <a:pt x="2436987" y="6858000"/>
+                  <a:pt x="0" y="5480430"/>
                 </a:lnTo>
                 <a:lnTo>
-                  <a:pt x="0" y="6858000"/>
+                  <a:pt x="0" y="576603"/>
                 </a:lnTo>
+                <a:lnTo>
+                  <a:pt x="3916" y="573044"/>
+                </a:lnTo>
+                <a:cubicBezTo>
+                  <a:pt x="278945" y="346070"/>
+                  <a:pt x="592755" y="164410"/>
+                  <a:pt x="933918" y="39494"/>
+                </a:cubicBezTo>
                 <a:close/>
               </a:path>
             </a:pathLst>
@@ -6174,9 +6340,7 @@
           </a:fontRef>
         </p:style>
         <p:txBody>
-          <a:bodyPr wrap="square" rtlCol="0" anchor="ctr">
-            <a:noAutofit/>
-          </a:bodyPr>
+          <a:bodyPr rtlCol="0" anchor="ctr"/>
           <a:lstStyle/>
           <a:p>
             <a:pPr marL="0" marR="0" lvl="0" indent="0" algn="ctr" defTabSz="914400" rtl="0" eaLnBrk="1" fontAlgn="auto" latinLnBrk="0" hangingPunct="1">
@@ -6215,10 +6379,10 @@
       </p:sp>
       <p:pic>
         <p:nvPicPr>
-          <p:cNvPr id="7" name="Graphic 6">
-            <a:extLst>
-              <a:ext uri="{FF2B5EF4-FFF2-40B4-BE49-F238E27FC236}">
-                <a16:creationId xmlns:a16="http://schemas.microsoft.com/office/drawing/2014/main" id="{3494B20F-FF32-426C-9E4C-11D9E75DACD0}"/>
+          <p:cNvPr id="9" name="Image 8">
+            <a:extLst>
+              <a:ext uri="{FF2B5EF4-FFF2-40B4-BE49-F238E27FC236}">
+                <a16:creationId xmlns:a16="http://schemas.microsoft.com/office/drawing/2014/main" id="{4A026D5A-D447-410A-842E-F80CBAFEA002}"/>
               </a:ext>
             </a:extLst>
           </p:cNvPr>
@@ -6233,9 +6397,6 @@
               <a:ext uri="{28A0092B-C50C-407E-A947-70E740481C1C}">
                 <a14:useLocalDpi xmlns:a14="http://schemas.microsoft.com/office/drawing/2010/main" val="0"/>
               </a:ext>
-              <a:ext uri="{96DAC541-7B7A-43D3-8B79-37D633B846F1}">
-                <asvg:svgBlip xmlns:asvg="http://schemas.microsoft.com/office/drawing/2016/SVG/main" r:embed="rId3"/>
-              </a:ext>
             </a:extLst>
           </a:blip>
           <a:stretch>
@@ -6244,8 +6405,8 @@
         </p:blipFill>
         <p:spPr>
           <a:xfrm>
-            <a:off x="419382" y="720993"/>
-            <a:ext cx="4047843" cy="4047843"/>
+            <a:off x="8342896" y="417065"/>
+            <a:ext cx="3440610" cy="1109597"/>
           </a:xfrm>
           <a:prstGeom prst="rect">
             <a:avLst/>
@@ -6254,10 +6415,10 @@
       </p:pic>
       <p:pic>
         <p:nvPicPr>
-          <p:cNvPr id="9" name="Image 8">
-            <a:extLst>
-              <a:ext uri="{FF2B5EF4-FFF2-40B4-BE49-F238E27FC236}">
-                <a16:creationId xmlns:a16="http://schemas.microsoft.com/office/drawing/2014/main" id="{4A026D5A-D447-410A-842E-F80CBAFEA002}"/>
+          <p:cNvPr id="12" name="Image 11">
+            <a:extLst>
+              <a:ext uri="{FF2B5EF4-FFF2-40B4-BE49-F238E27FC236}">
+                <a16:creationId xmlns:a16="http://schemas.microsoft.com/office/drawing/2014/main" id="{A814A1E9-040C-4D45-8145-951636059A0F}"/>
               </a:ext>
             </a:extLst>
           </p:cNvPr>
@@ -6267,21 +6428,15 @@
           <p:nvPr/>
         </p:nvPicPr>
         <p:blipFill>
-          <a:blip r:embed="rId4">
-            <a:extLst>
-              <a:ext uri="{28A0092B-C50C-407E-A947-70E740481C1C}">
-                <a14:useLocalDpi xmlns:a14="http://schemas.microsoft.com/office/drawing/2010/main" val="0"/>
-              </a:ext>
-            </a:extLst>
-          </a:blip>
+          <a:blip r:embed="rId3"/>
           <a:stretch>
             <a:fillRect/>
           </a:stretch>
         </p:blipFill>
         <p:spPr>
           <a:xfrm>
-            <a:off x="7993930" y="331517"/>
-            <a:ext cx="3612938" cy="1163366"/>
+            <a:off x="45916" y="1412668"/>
+            <a:ext cx="4981846" cy="3549197"/>
           </a:xfrm>
           <a:prstGeom prst="rect">
             <a:avLst/>
